--- a/"Qərar Ağacı"ndan "XGBoost"a.pptx
+++ b/"Qərar Ağacı"ndan "XGBoost"a.pptx
@@ -5,22 +5,21 @@
     <p:sldMasterId id="2147483648" r:id="rId1"/>
   </p:sldMasterIdLst>
   <p:notesMasterIdLst>
-    <p:notesMasterId r:id="rId15"/>
+    <p:notesMasterId r:id="rId14"/>
   </p:notesMasterIdLst>
   <p:sldIdLst>
-    <p:sldId id="268" r:id="rId2"/>
-    <p:sldId id="257" r:id="rId3"/>
-    <p:sldId id="264" r:id="rId4"/>
-    <p:sldId id="266" r:id="rId5"/>
-    <p:sldId id="269" r:id="rId6"/>
-    <p:sldId id="270" r:id="rId7"/>
-    <p:sldId id="271" r:id="rId8"/>
-    <p:sldId id="273" r:id="rId9"/>
-    <p:sldId id="275" r:id="rId10"/>
-    <p:sldId id="276" r:id="rId11"/>
+    <p:sldId id="257" r:id="rId2"/>
+    <p:sldId id="264" r:id="rId3"/>
+    <p:sldId id="266" r:id="rId4"/>
+    <p:sldId id="269" r:id="rId5"/>
+    <p:sldId id="270" r:id="rId6"/>
+    <p:sldId id="271" r:id="rId7"/>
+    <p:sldId id="273" r:id="rId8"/>
+    <p:sldId id="275" r:id="rId9"/>
+    <p:sldId id="276" r:id="rId10"/>
+    <p:sldId id="279" r:id="rId11"/>
     <p:sldId id="277" r:id="rId12"/>
     <p:sldId id="278" r:id="rId13"/>
-    <p:sldId id="279" r:id="rId14"/>
   </p:sldIdLst>
   <p:sldSz cx="12192000" cy="6858000"/>
   <p:notesSz cx="6858000" cy="9144000"/>
@@ -209,7 +208,7 @@
           <a:p>
             <a:fld id="{A781B0A1-BAEC-5E43-8B37-13133261104E}" type="datetimeFigureOut">
               <a:rPr lang="en-AZ" smtClean="0"/>
-              <a:t>01.09.22</a:t>
+              <a:t>03.09.22</a:t>
             </a:fld>
             <a:endParaRPr lang="en-AZ"/>
           </a:p>
@@ -605,7 +604,7 @@
           <a:p>
             <a:fld id="{E20A83CE-6681-C04F-A024-104A173FAC51}" type="slidenum">
               <a:rPr lang="en-AZ" smtClean="0"/>
-              <a:t>2</a:t>
+              <a:t>1</a:t>
             </a:fld>
             <a:endParaRPr lang="en-AZ"/>
           </a:p>
@@ -669,9 +668,762 @@
           <a:lstStyle/>
           <a:p>
             <a:r>
-              <a:rPr lang="en-US" sz="1200" dirty="0"/>
-              <a:t>………</a:t>
-            </a:r>
+              <a:rPr lang="en-US" sz="1200" dirty="0" err="1"/>
+              <a:t>XGBoost</a:t>
+            </a:r>
+            <a:r>
+              <a:rPr lang="en-US" sz="1200" dirty="0"/>
+              <a:t> </a:t>
+            </a:r>
+            <a:r>
+              <a:rPr lang="en-US" sz="1200" dirty="0" err="1"/>
+              <a:t>alqoritması</a:t>
+            </a:r>
+            <a:r>
+              <a:rPr lang="en-US" sz="1200" dirty="0"/>
+              <a:t>. Tam </a:t>
+            </a:r>
+            <a:r>
+              <a:rPr lang="en-US" sz="1200" dirty="0" err="1"/>
+              <a:t>adı</a:t>
+            </a:r>
+            <a:r>
+              <a:rPr lang="en-US" sz="1200" dirty="0"/>
+              <a:t> </a:t>
+            </a:r>
+            <a:r>
+              <a:rPr lang="en-US" sz="1200" b="0" i="0" kern="1200" dirty="0" err="1">
+                <a:solidFill>
+                  <a:schemeClr val="tx1"/>
+                </a:solidFill>
+                <a:effectLst/>
+                <a:latin typeface="+mn-lt"/>
+                <a:ea typeface="+mn-ea"/>
+                <a:cs typeface="+mn-cs"/>
+              </a:rPr>
+              <a:t>eXtreme</a:t>
+            </a:r>
+            <a:r>
+              <a:rPr lang="en-US" sz="1200" b="0" i="0" kern="1200" dirty="0">
+                <a:solidFill>
+                  <a:schemeClr val="tx1"/>
+                </a:solidFill>
+                <a:effectLst/>
+                <a:latin typeface="+mn-lt"/>
+                <a:ea typeface="+mn-ea"/>
+                <a:cs typeface="+mn-cs"/>
+              </a:rPr>
+              <a:t> Gradient Boosting dir. </a:t>
+            </a:r>
+            <a:r>
+              <a:rPr lang="en-US" sz="1200" dirty="0" err="1"/>
+              <a:t>XGBoost</a:t>
+            </a:r>
+            <a:r>
+              <a:rPr lang="en-US" sz="1200" dirty="0"/>
+              <a:t> </a:t>
+            </a:r>
+            <a:r>
+              <a:rPr lang="en-US" sz="1200" dirty="0" err="1"/>
+              <a:t>MLdə</a:t>
+            </a:r>
+            <a:r>
+              <a:rPr lang="en-US" sz="1200" dirty="0"/>
+              <a:t> boosting </a:t>
+            </a:r>
+            <a:r>
+              <a:rPr lang="en-US" sz="1200" dirty="0" err="1"/>
+              <a:t>öyrənmə</a:t>
+            </a:r>
+            <a:r>
+              <a:rPr lang="en-US" sz="1200" dirty="0"/>
+              <a:t> </a:t>
+            </a:r>
+            <a:r>
+              <a:rPr lang="en-US" sz="1200" dirty="0" err="1"/>
+              <a:t>metodunun</a:t>
+            </a:r>
+            <a:r>
+              <a:rPr lang="en-US" sz="1200" dirty="0"/>
+              <a:t> son </a:t>
+            </a:r>
+            <a:r>
+              <a:rPr lang="en-US" sz="1200" dirty="0" err="1"/>
+              <a:t>nəsil</a:t>
+            </a:r>
+            <a:r>
+              <a:rPr lang="en-US" sz="1200" dirty="0"/>
+              <a:t> </a:t>
+            </a:r>
+            <a:r>
+              <a:rPr lang="en-US" sz="1200" dirty="0" err="1"/>
+              <a:t>alqoritmalarından</a:t>
+            </a:r>
+            <a:r>
+              <a:rPr lang="en-US" sz="1200" dirty="0"/>
+              <a:t> </a:t>
+            </a:r>
+            <a:r>
+              <a:rPr lang="en-US" sz="1200" dirty="0" err="1"/>
+              <a:t>biridir</a:t>
+            </a:r>
+            <a:r>
+              <a:rPr lang="en-US" sz="1200" dirty="0"/>
+              <a:t>. İlk </a:t>
+            </a:r>
+            <a:r>
+              <a:rPr lang="en-US" sz="1200" dirty="0" err="1"/>
+              <a:t>dəfə</a:t>
+            </a:r>
+            <a:r>
+              <a:rPr lang="en-US" sz="1200" dirty="0"/>
+              <a:t> 2016cı </a:t>
+            </a:r>
+            <a:r>
+              <a:rPr lang="en-US" sz="1200" dirty="0" err="1"/>
+              <a:t>ildə</a:t>
+            </a:r>
+            <a:r>
+              <a:rPr lang="en-US" sz="1200" dirty="0"/>
+              <a:t> </a:t>
+            </a:r>
+            <a:r>
+              <a:rPr lang="en-US" sz="1200" b="0" i="0" kern="1200" dirty="0">
+                <a:solidFill>
+                  <a:schemeClr val="tx1"/>
+                </a:solidFill>
+                <a:effectLst/>
+                <a:latin typeface="+mn-lt"/>
+                <a:ea typeface="+mn-ea"/>
+                <a:cs typeface="+mn-cs"/>
+              </a:rPr>
+              <a:t>Washington </a:t>
+            </a:r>
+            <a:r>
+              <a:rPr lang="en-US" sz="1200" b="0" i="0" kern="1200" dirty="0" err="1">
+                <a:solidFill>
+                  <a:schemeClr val="tx1"/>
+                </a:solidFill>
+                <a:effectLst/>
+                <a:latin typeface="+mn-lt"/>
+                <a:ea typeface="+mn-ea"/>
+                <a:cs typeface="+mn-cs"/>
+              </a:rPr>
+              <a:t>Universitetində</a:t>
+            </a:r>
+            <a:r>
+              <a:rPr lang="en-US" sz="1200" dirty="0"/>
+              <a:t> </a:t>
+            </a:r>
+            <a:r>
+              <a:rPr lang="en-US" sz="1200" b="0" i="0" kern="1200" dirty="0">
+                <a:solidFill>
+                  <a:schemeClr val="tx1"/>
+                </a:solidFill>
+                <a:effectLst/>
+                <a:latin typeface="+mn-lt"/>
+                <a:ea typeface="+mn-ea"/>
+                <a:cs typeface="+mn-cs"/>
+              </a:rPr>
+              <a:t>Tianqi Chen </a:t>
+            </a:r>
+            <a:r>
+              <a:rPr lang="en-US" sz="1200" b="0" i="0" kern="1200" dirty="0" err="1">
+                <a:solidFill>
+                  <a:schemeClr val="tx1"/>
+                </a:solidFill>
+                <a:effectLst/>
+                <a:latin typeface="+mn-lt"/>
+                <a:ea typeface="+mn-ea"/>
+                <a:cs typeface="+mn-cs"/>
+              </a:rPr>
+              <a:t>və</a:t>
+            </a:r>
+            <a:r>
+              <a:rPr lang="en-US" sz="1200" b="0" i="0" kern="1200" dirty="0">
+                <a:solidFill>
+                  <a:schemeClr val="tx1"/>
+                </a:solidFill>
+                <a:effectLst/>
+                <a:latin typeface="+mn-lt"/>
+                <a:ea typeface="+mn-ea"/>
+                <a:cs typeface="+mn-cs"/>
+              </a:rPr>
+              <a:t> Carlos </a:t>
+            </a:r>
+            <a:r>
+              <a:rPr lang="en-US" sz="1200" b="0" i="0" kern="1200" dirty="0" err="1">
+                <a:solidFill>
+                  <a:schemeClr val="tx1"/>
+                </a:solidFill>
+                <a:effectLst/>
+                <a:latin typeface="+mn-lt"/>
+                <a:ea typeface="+mn-ea"/>
+                <a:cs typeface="+mn-cs"/>
+              </a:rPr>
+              <a:t>Guestr</a:t>
+            </a:r>
+            <a:r>
+              <a:rPr lang="en-US" sz="1200" b="0" i="0" kern="1200" dirty="0">
+                <a:solidFill>
+                  <a:schemeClr val="tx1"/>
+                </a:solidFill>
+                <a:effectLst/>
+                <a:latin typeface="+mn-lt"/>
+                <a:ea typeface="+mn-ea"/>
+                <a:cs typeface="+mn-cs"/>
+              </a:rPr>
+              <a:t> </a:t>
+            </a:r>
+            <a:r>
+              <a:rPr lang="en-US" sz="1200" dirty="0" err="1"/>
+              <a:t>tərəfindən</a:t>
+            </a:r>
+            <a:r>
+              <a:rPr lang="en-US" sz="1200" dirty="0"/>
+              <a:t> </a:t>
+            </a:r>
+            <a:r>
+              <a:rPr lang="en-US" sz="1200" b="0" i="0" kern="1200" dirty="0">
+                <a:solidFill>
+                  <a:schemeClr val="tx1"/>
+                </a:solidFill>
+                <a:effectLst/>
+                <a:latin typeface="+mn-lt"/>
+                <a:ea typeface="+mn-ea"/>
+                <a:cs typeface="+mn-cs"/>
+              </a:rPr>
+              <a:t>“</a:t>
+            </a:r>
+            <a:r>
+              <a:rPr lang="en-US" sz="1200" b="0" i="0" kern="1200" dirty="0" err="1">
+                <a:solidFill>
+                  <a:schemeClr val="tx1"/>
+                </a:solidFill>
+                <a:effectLst/>
+                <a:latin typeface="+mn-lt"/>
+                <a:ea typeface="+mn-ea"/>
+                <a:cs typeface="+mn-cs"/>
+              </a:rPr>
+              <a:t>XGBoost</a:t>
+            </a:r>
+            <a:r>
+              <a:rPr lang="en-US" sz="1200" b="0" i="0" kern="1200" dirty="0">
+                <a:solidFill>
+                  <a:schemeClr val="tx1"/>
+                </a:solidFill>
+                <a:effectLst/>
+                <a:latin typeface="+mn-lt"/>
+                <a:ea typeface="+mn-ea"/>
+                <a:cs typeface="+mn-cs"/>
+              </a:rPr>
+              <a:t>: A Scalable Tree Boosting System” </a:t>
+            </a:r>
+            <a:r>
+              <a:rPr lang="en-US" sz="1200" b="0" i="0" kern="1200" dirty="0" err="1">
+                <a:solidFill>
+                  <a:schemeClr val="tx1"/>
+                </a:solidFill>
+                <a:effectLst/>
+                <a:latin typeface="+mn-lt"/>
+                <a:ea typeface="+mn-ea"/>
+                <a:cs typeface="+mn-cs"/>
+              </a:rPr>
+              <a:t>adlı</a:t>
+            </a:r>
+            <a:r>
+              <a:rPr lang="en-US" sz="1200" b="0" i="0" kern="1200" dirty="0">
+                <a:solidFill>
+                  <a:schemeClr val="tx1"/>
+                </a:solidFill>
+                <a:effectLst/>
+                <a:latin typeface="+mn-lt"/>
+                <a:ea typeface="+mn-ea"/>
+                <a:cs typeface="+mn-cs"/>
+              </a:rPr>
+              <a:t> </a:t>
+            </a:r>
+            <a:r>
+              <a:rPr lang="en-US" sz="1200" b="0" i="0" kern="1200" dirty="0" err="1">
+                <a:solidFill>
+                  <a:schemeClr val="tx1"/>
+                </a:solidFill>
+                <a:effectLst/>
+                <a:latin typeface="+mn-lt"/>
+                <a:ea typeface="+mn-ea"/>
+                <a:cs typeface="+mn-cs"/>
+              </a:rPr>
+              <a:t>məqalə</a:t>
+            </a:r>
+            <a:r>
+              <a:rPr lang="en-US" sz="1200" b="0" i="0" kern="1200" dirty="0">
+                <a:solidFill>
+                  <a:schemeClr val="tx1"/>
+                </a:solidFill>
+                <a:effectLst/>
+                <a:latin typeface="+mn-lt"/>
+                <a:ea typeface="+mn-ea"/>
+                <a:cs typeface="+mn-cs"/>
+              </a:rPr>
+              <a:t> </a:t>
+            </a:r>
+            <a:r>
+              <a:rPr lang="en-US" sz="1200" b="0" i="0" kern="1200" dirty="0" err="1">
+                <a:solidFill>
+                  <a:schemeClr val="tx1"/>
+                </a:solidFill>
+                <a:effectLst/>
+                <a:latin typeface="+mn-lt"/>
+                <a:ea typeface="+mn-ea"/>
+                <a:cs typeface="+mn-cs"/>
+              </a:rPr>
+              <a:t>ilə</a:t>
+            </a:r>
+            <a:r>
+              <a:rPr lang="en-US" sz="1200" b="0" i="0" kern="1200" dirty="0">
+                <a:solidFill>
+                  <a:schemeClr val="tx1"/>
+                </a:solidFill>
+                <a:effectLst/>
+                <a:latin typeface="+mn-lt"/>
+                <a:ea typeface="+mn-ea"/>
+                <a:cs typeface="+mn-cs"/>
+              </a:rPr>
+              <a:t> </a:t>
+            </a:r>
+            <a:r>
+              <a:rPr lang="en-US" sz="1200" b="0" i="0" kern="1200" dirty="0" err="1">
+                <a:solidFill>
+                  <a:schemeClr val="tx1"/>
+                </a:solidFill>
+                <a:effectLst/>
+                <a:latin typeface="+mn-lt"/>
+                <a:ea typeface="+mn-ea"/>
+                <a:cs typeface="+mn-cs"/>
+              </a:rPr>
+              <a:t>yayınlandı</a:t>
+            </a:r>
+            <a:r>
+              <a:rPr lang="en-US" sz="1200" dirty="0"/>
+              <a:t>. </a:t>
+            </a:r>
+            <a:r>
+              <a:rPr lang="en-US" sz="1200" dirty="0" err="1"/>
+              <a:t>Daha</a:t>
+            </a:r>
+            <a:r>
+              <a:rPr lang="en-US" sz="1200" dirty="0"/>
+              <a:t> </a:t>
+            </a:r>
+            <a:r>
+              <a:rPr lang="en-US" sz="1200" dirty="0" err="1"/>
+              <a:t>sonra</a:t>
+            </a:r>
+            <a:r>
+              <a:rPr lang="en-US" sz="1200" dirty="0"/>
+              <a:t> online </a:t>
+            </a:r>
+            <a:r>
+              <a:rPr lang="en-US" sz="1200" dirty="0" err="1"/>
+              <a:t>qlobal</a:t>
+            </a:r>
+            <a:r>
+              <a:rPr lang="en-US" sz="1200" dirty="0"/>
+              <a:t> ML </a:t>
+            </a:r>
+            <a:r>
+              <a:rPr lang="en-US" sz="1200" dirty="0" err="1"/>
+              <a:t>yarışlarının</a:t>
+            </a:r>
+            <a:r>
+              <a:rPr lang="en-US" sz="1200" dirty="0"/>
+              <a:t> </a:t>
+            </a:r>
+            <a:r>
+              <a:rPr lang="en-US" sz="1200" dirty="0" err="1"/>
+              <a:t>təşkil</a:t>
+            </a:r>
+            <a:r>
+              <a:rPr lang="en-US" sz="1200" dirty="0"/>
+              <a:t> </a:t>
+            </a:r>
+            <a:r>
+              <a:rPr lang="en-US" sz="1200" dirty="0" err="1"/>
+              <a:t>olunduğu</a:t>
+            </a:r>
+            <a:r>
+              <a:rPr lang="en-US" sz="1200" dirty="0"/>
+              <a:t> Kaggle </a:t>
+            </a:r>
+            <a:r>
+              <a:rPr lang="en-US" sz="1200" dirty="0" err="1"/>
+              <a:t>yarışlarında</a:t>
+            </a:r>
+            <a:r>
+              <a:rPr lang="en-US" sz="1200" dirty="0"/>
+              <a:t> </a:t>
+            </a:r>
+            <a:r>
+              <a:rPr lang="en-US" sz="1200" dirty="0" err="1"/>
+              <a:t>demək</a:t>
+            </a:r>
+            <a:r>
+              <a:rPr lang="en-US" sz="1200" dirty="0"/>
+              <a:t> </a:t>
+            </a:r>
+            <a:r>
+              <a:rPr lang="en-US" sz="1200" dirty="0" err="1"/>
+              <a:t>olar</a:t>
+            </a:r>
+            <a:r>
+              <a:rPr lang="en-US" sz="1200" dirty="0"/>
+              <a:t> </a:t>
+            </a:r>
+            <a:r>
+              <a:rPr lang="en-US" sz="1200" dirty="0" err="1"/>
+              <a:t>bütün</a:t>
+            </a:r>
+            <a:r>
+              <a:rPr lang="en-US" sz="1200" dirty="0"/>
+              <a:t> data </a:t>
+            </a:r>
+            <a:r>
+              <a:rPr lang="en-US" sz="1200" dirty="0" err="1"/>
+              <a:t>scientistlərin</a:t>
+            </a:r>
+            <a:r>
+              <a:rPr lang="en-US" sz="1200" dirty="0"/>
+              <a:t> </a:t>
+            </a:r>
+            <a:r>
+              <a:rPr lang="en-US" sz="1200" dirty="0" err="1"/>
+              <a:t>sevimli</a:t>
+            </a:r>
+            <a:r>
+              <a:rPr lang="en-US" sz="1200" dirty="0"/>
+              <a:t> </a:t>
+            </a:r>
+            <a:r>
+              <a:rPr lang="en-US" sz="1200" dirty="0" err="1"/>
+              <a:t>alqoritması</a:t>
+            </a:r>
+            <a:r>
+              <a:rPr lang="en-US" sz="1200" dirty="0"/>
+              <a:t> </a:t>
+            </a:r>
+            <a:r>
+              <a:rPr lang="en-US" sz="1200" dirty="0" err="1"/>
+              <a:t>oldu</a:t>
+            </a:r>
+            <a:r>
+              <a:rPr lang="en-US" sz="1200" dirty="0"/>
+              <a:t>. </a:t>
+            </a:r>
+            <a:r>
+              <a:rPr lang="en-US" sz="1200" dirty="0" err="1"/>
+              <a:t>Çünki</a:t>
+            </a:r>
+            <a:r>
+              <a:rPr lang="en-US" sz="1200" dirty="0"/>
+              <a:t> </a:t>
+            </a:r>
+            <a:r>
+              <a:rPr lang="en-US" sz="1200" dirty="0" err="1"/>
+              <a:t>digər</a:t>
+            </a:r>
+            <a:r>
+              <a:rPr lang="en-US" sz="1200" dirty="0"/>
+              <a:t> </a:t>
+            </a:r>
+            <a:r>
+              <a:rPr lang="en-US" sz="1200" dirty="0" err="1"/>
+              <a:t>alqoritmalara</a:t>
+            </a:r>
+            <a:r>
+              <a:rPr lang="en-US" sz="1200" dirty="0"/>
+              <a:t> </a:t>
+            </a:r>
+            <a:r>
+              <a:rPr lang="en-US" sz="1200" dirty="0" err="1"/>
+              <a:t>nisbətən</a:t>
+            </a:r>
+            <a:r>
+              <a:rPr lang="en-US" sz="1200" dirty="0"/>
+              <a:t> </a:t>
+            </a:r>
+            <a:r>
+              <a:rPr lang="en-US" sz="1200" dirty="0" err="1"/>
+              <a:t>daha</a:t>
+            </a:r>
+            <a:r>
+              <a:rPr lang="en-US" sz="1200" dirty="0"/>
+              <a:t> </a:t>
+            </a:r>
+            <a:r>
+              <a:rPr lang="en-US" sz="1200" dirty="0" err="1"/>
+              <a:t>yaxşı</a:t>
+            </a:r>
+            <a:r>
+              <a:rPr lang="en-US" sz="1200" dirty="0"/>
+              <a:t> </a:t>
+            </a:r>
+            <a:r>
+              <a:rPr lang="en-US" sz="1200" dirty="0" err="1"/>
+              <a:t>nəticə</a:t>
+            </a:r>
+            <a:r>
+              <a:rPr lang="en-US" sz="1200" dirty="0"/>
+              <a:t> </a:t>
+            </a:r>
+            <a:r>
+              <a:rPr lang="en-US" sz="1200" dirty="0" err="1"/>
+              <a:t>göstərirdi</a:t>
+            </a:r>
+            <a:r>
+              <a:rPr lang="en-US" sz="1200" dirty="0"/>
+              <a:t>. Bu </a:t>
+            </a:r>
+            <a:r>
+              <a:rPr lang="en-US" sz="1200" dirty="0" err="1"/>
+              <a:t>alqoriymanın</a:t>
+            </a:r>
+            <a:r>
+              <a:rPr lang="en-US" sz="1200" dirty="0"/>
+              <a:t> </a:t>
+            </a:r>
+            <a:r>
+              <a:rPr lang="en-US" sz="1200" dirty="0" err="1"/>
+              <a:t>ən</a:t>
+            </a:r>
+            <a:r>
+              <a:rPr lang="en-US" sz="1200" dirty="0"/>
+              <a:t> </a:t>
+            </a:r>
+            <a:r>
+              <a:rPr lang="en-US" sz="1200" dirty="0" err="1"/>
+              <a:t>böyük</a:t>
+            </a:r>
+            <a:r>
+              <a:rPr lang="en-US" sz="1200" dirty="0"/>
+              <a:t> </a:t>
+            </a:r>
+            <a:r>
+              <a:rPr lang="en-US" sz="1200" dirty="0" err="1"/>
+              <a:t>xüsusiyyətləri</a:t>
+            </a:r>
+            <a:r>
+              <a:rPr lang="en-US" sz="1200" dirty="0"/>
+              <a:t> </a:t>
+            </a:r>
+            <a:r>
+              <a:rPr lang="en-US" sz="1200" dirty="0" err="1"/>
+              <a:t>modelin</a:t>
+            </a:r>
+            <a:r>
+              <a:rPr lang="en-US" sz="1200" dirty="0"/>
+              <a:t> </a:t>
+            </a:r>
+            <a:r>
+              <a:rPr lang="en-US" sz="1200" dirty="0" err="1"/>
+              <a:t>performansı</a:t>
+            </a:r>
+            <a:r>
+              <a:rPr lang="en-US" sz="1200" dirty="0"/>
+              <a:t> </a:t>
+            </a:r>
+            <a:r>
+              <a:rPr lang="en-US" sz="1200" dirty="0" err="1"/>
+              <a:t>yüksək</a:t>
+            </a:r>
+            <a:r>
+              <a:rPr lang="en-US" sz="1200" dirty="0"/>
+              <a:t> </a:t>
+            </a:r>
+            <a:r>
+              <a:rPr lang="en-US" sz="1200" dirty="0" err="1"/>
+              <a:t>olur</a:t>
+            </a:r>
+            <a:r>
+              <a:rPr lang="en-US" sz="1200" dirty="0"/>
+              <a:t>, </a:t>
+            </a:r>
+            <a:r>
+              <a:rPr lang="en-US" sz="1200" dirty="0" err="1"/>
+              <a:t>overfiiting</a:t>
+            </a:r>
+            <a:r>
+              <a:rPr lang="en-US" sz="1200" dirty="0"/>
+              <a:t> </a:t>
+            </a:r>
+            <a:r>
+              <a:rPr lang="en-US" sz="1200" dirty="0" err="1"/>
+              <a:t>probleminin</a:t>
+            </a:r>
+            <a:r>
+              <a:rPr lang="en-US" sz="1200" dirty="0"/>
+              <a:t> </a:t>
+            </a:r>
+            <a:r>
+              <a:rPr lang="en-US" sz="1200" dirty="0" err="1"/>
+              <a:t>qarşısını</a:t>
+            </a:r>
+            <a:r>
+              <a:rPr lang="en-US" sz="1200" dirty="0"/>
+              <a:t> </a:t>
+            </a:r>
+            <a:r>
+              <a:rPr lang="en-US" sz="1200" dirty="0" err="1"/>
+              <a:t>alır</a:t>
+            </a:r>
+            <a:r>
+              <a:rPr lang="en-US" sz="1200" dirty="0"/>
+              <a:t>, </a:t>
+            </a:r>
+            <a:r>
+              <a:rPr lang="en-US" sz="1200" dirty="0" err="1"/>
+              <a:t>boş</a:t>
+            </a:r>
+            <a:r>
+              <a:rPr lang="en-US" sz="1200" dirty="0"/>
+              <a:t> </a:t>
+            </a:r>
+            <a:r>
+              <a:rPr lang="en-US" sz="1200" dirty="0" err="1"/>
+              <a:t>dəyərləri</a:t>
+            </a:r>
+            <a:r>
+              <a:rPr lang="en-US" sz="1200" dirty="0"/>
+              <a:t> </a:t>
+            </a:r>
+            <a:r>
+              <a:rPr lang="en-US" sz="1200" dirty="0" err="1"/>
+              <a:t>doldurur</a:t>
+            </a:r>
+            <a:r>
+              <a:rPr lang="en-US" sz="1200" dirty="0"/>
+              <a:t> </a:t>
+            </a:r>
+            <a:r>
+              <a:rPr lang="en-US" sz="1200" dirty="0" err="1"/>
+              <a:t>və</a:t>
+            </a:r>
+            <a:r>
+              <a:rPr lang="en-US" sz="1200" dirty="0"/>
+              <a:t> </a:t>
+            </a:r>
+            <a:r>
+              <a:rPr lang="en-US" sz="1200" dirty="0" err="1"/>
+              <a:t>bunları</a:t>
+            </a:r>
+            <a:r>
+              <a:rPr lang="en-US" sz="1200" dirty="0"/>
+              <a:t> </a:t>
+            </a:r>
+            <a:r>
+              <a:rPr lang="en-US" sz="1200" dirty="0" err="1"/>
+              <a:t>çox</a:t>
+            </a:r>
+            <a:r>
+              <a:rPr lang="en-US" sz="1200" dirty="0"/>
+              <a:t> </a:t>
+            </a:r>
+            <a:r>
+              <a:rPr lang="en-US" sz="1200" dirty="0" err="1"/>
+              <a:t>tez</a:t>
+            </a:r>
+            <a:r>
+              <a:rPr lang="en-US" sz="1200" dirty="0"/>
+              <a:t> </a:t>
+            </a:r>
+            <a:r>
+              <a:rPr lang="en-US" sz="1200" dirty="0" err="1"/>
+              <a:t>zamanda</a:t>
+            </a:r>
+            <a:r>
+              <a:rPr lang="en-US" sz="1200" dirty="0"/>
+              <a:t> </a:t>
+            </a:r>
+            <a:r>
+              <a:rPr lang="en-US" sz="1200" dirty="0" err="1"/>
+              <a:t>edir</a:t>
+            </a:r>
+            <a:r>
+              <a:rPr lang="en-US" sz="1200" dirty="0"/>
+              <a:t>. </a:t>
+            </a:r>
+            <a:r>
+              <a:rPr lang="en-US" sz="1200" dirty="0" err="1"/>
+              <a:t>Hətta</a:t>
+            </a:r>
+            <a:r>
+              <a:rPr lang="en-US" sz="1200" dirty="0"/>
+              <a:t> </a:t>
+            </a:r>
+            <a:r>
+              <a:rPr lang="en-US" sz="1200" dirty="0" err="1"/>
+              <a:t>məqalədə</a:t>
+            </a:r>
+            <a:r>
+              <a:rPr lang="en-US" sz="1200" dirty="0"/>
+              <a:t> Tianqi Chen </a:t>
+            </a:r>
+            <a:r>
+              <a:rPr lang="en-US" sz="1200" dirty="0" err="1"/>
+              <a:t>yazıbki</a:t>
+            </a:r>
+            <a:r>
+              <a:rPr lang="en-US" sz="1200" dirty="0"/>
+              <a:t> </a:t>
+            </a:r>
+            <a:r>
+              <a:rPr lang="en-US" sz="1200" dirty="0" err="1"/>
+              <a:t>XGBoost</a:t>
+            </a:r>
+            <a:r>
+              <a:rPr lang="en-US" sz="1200" dirty="0"/>
+              <a:t> </a:t>
+            </a:r>
+            <a:r>
+              <a:rPr lang="en-US" sz="1200" dirty="0" err="1"/>
+              <a:t>digər</a:t>
+            </a:r>
+            <a:r>
+              <a:rPr lang="en-US" sz="1200" dirty="0"/>
+              <a:t> </a:t>
+            </a:r>
+            <a:r>
+              <a:rPr lang="en-US" sz="1200" dirty="0" err="1"/>
+              <a:t>alqoritmalardan</a:t>
+            </a:r>
+            <a:r>
+              <a:rPr lang="en-US" sz="1200" dirty="0"/>
+              <a:t> 10 </a:t>
+            </a:r>
+            <a:r>
+              <a:rPr lang="en-US" sz="1200" dirty="0" err="1"/>
+              <a:t>dəfə</a:t>
+            </a:r>
+            <a:r>
+              <a:rPr lang="en-US" sz="1200" dirty="0"/>
+              <a:t> </a:t>
+            </a:r>
+            <a:r>
+              <a:rPr lang="en-US" sz="1200" dirty="0" err="1"/>
+              <a:t>daha</a:t>
+            </a:r>
+            <a:r>
+              <a:rPr lang="en-US" sz="1200" dirty="0"/>
+              <a:t> </a:t>
+            </a:r>
+            <a:r>
+              <a:rPr lang="en-US" sz="1200" dirty="0" err="1"/>
+              <a:t>sürətlidir</a:t>
+            </a:r>
+            <a:r>
+              <a:rPr lang="en-US" sz="1200"/>
+              <a:t>. </a:t>
+            </a:r>
+            <a:endParaRPr lang="en-US" sz="1200" dirty="0"/>
           </a:p>
         </p:txBody>
       </p:sp>
@@ -692,7 +1444,7 @@
           <a:p>
             <a:fld id="{E20A83CE-6681-C04F-A024-104A173FAC51}" type="slidenum">
               <a:rPr lang="en-AZ" smtClean="0"/>
-              <a:t>11</a:t>
+              <a:t>10</a:t>
             </a:fld>
             <a:endParaRPr lang="en-AZ"/>
           </a:p>
@@ -701,7 +1453,7 @@
     </p:spTree>
     <p:extLst>
       <p:ext uri="{BB962C8B-B14F-4D97-AF65-F5344CB8AC3E}">
-        <p14:creationId xmlns:p14="http://schemas.microsoft.com/office/powerpoint/2010/main" val="2601891453"/>
+        <p14:creationId xmlns:p14="http://schemas.microsoft.com/office/powerpoint/2010/main" val="3127164731"/>
       </p:ext>
     </p:extLst>
   </p:cSld>
@@ -779,7 +1531,7 @@
           <a:p>
             <a:fld id="{E20A83CE-6681-C04F-A024-104A173FAC51}" type="slidenum">
               <a:rPr lang="en-AZ" smtClean="0"/>
-              <a:t>12</a:t>
+              <a:t>11</a:t>
             </a:fld>
             <a:endParaRPr lang="en-AZ"/>
           </a:p>
@@ -788,7 +1540,7 @@
     </p:spTree>
     <p:extLst>
       <p:ext uri="{BB962C8B-B14F-4D97-AF65-F5344CB8AC3E}">
-        <p14:creationId xmlns:p14="http://schemas.microsoft.com/office/powerpoint/2010/main" val="3899900935"/>
+        <p14:creationId xmlns:p14="http://schemas.microsoft.com/office/powerpoint/2010/main" val="2601891453"/>
       </p:ext>
     </p:extLst>
   </p:cSld>
@@ -843,762 +1595,9 @@
           <a:lstStyle/>
           <a:p>
             <a:r>
-              <a:rPr lang="en-US" sz="1200" dirty="0" err="1"/>
-              <a:t>XGBoost</a:t>
-            </a:r>
-            <a:r>
-              <a:rPr lang="en-US" sz="1200" dirty="0"/>
-              <a:t> </a:t>
-            </a:r>
-            <a:r>
-              <a:rPr lang="en-US" sz="1200" dirty="0" err="1"/>
-              <a:t>alqoritması</a:t>
-            </a:r>
-            <a:r>
-              <a:rPr lang="en-US" sz="1200" dirty="0"/>
-              <a:t>. Tam </a:t>
-            </a:r>
-            <a:r>
-              <a:rPr lang="en-US" sz="1200" dirty="0" err="1"/>
-              <a:t>adı</a:t>
-            </a:r>
-            <a:r>
-              <a:rPr lang="en-US" sz="1200" dirty="0"/>
-              <a:t> </a:t>
-            </a:r>
-            <a:r>
-              <a:rPr lang="en-US" sz="1200" b="0" i="0" kern="1200" dirty="0" err="1">
-                <a:solidFill>
-                  <a:schemeClr val="tx1"/>
-                </a:solidFill>
-                <a:effectLst/>
-                <a:latin typeface="+mn-lt"/>
-                <a:ea typeface="+mn-ea"/>
-                <a:cs typeface="+mn-cs"/>
-              </a:rPr>
-              <a:t>eXtreme</a:t>
-            </a:r>
-            <a:r>
-              <a:rPr lang="en-US" sz="1200" b="0" i="0" kern="1200" dirty="0">
-                <a:solidFill>
-                  <a:schemeClr val="tx1"/>
-                </a:solidFill>
-                <a:effectLst/>
-                <a:latin typeface="+mn-lt"/>
-                <a:ea typeface="+mn-ea"/>
-                <a:cs typeface="+mn-cs"/>
-              </a:rPr>
-              <a:t> Gradient Boosting dir. </a:t>
-            </a:r>
-            <a:r>
-              <a:rPr lang="en-US" sz="1200" dirty="0" err="1"/>
-              <a:t>XGBoost</a:t>
-            </a:r>
-            <a:r>
-              <a:rPr lang="en-US" sz="1200" dirty="0"/>
-              <a:t> </a:t>
-            </a:r>
-            <a:r>
-              <a:rPr lang="en-US" sz="1200" dirty="0" err="1"/>
-              <a:t>MLdə</a:t>
-            </a:r>
-            <a:r>
-              <a:rPr lang="en-US" sz="1200" dirty="0"/>
-              <a:t> boosting </a:t>
-            </a:r>
-            <a:r>
-              <a:rPr lang="en-US" sz="1200" dirty="0" err="1"/>
-              <a:t>öyrənmə</a:t>
-            </a:r>
-            <a:r>
-              <a:rPr lang="en-US" sz="1200" dirty="0"/>
-              <a:t> </a:t>
-            </a:r>
-            <a:r>
-              <a:rPr lang="en-US" sz="1200" dirty="0" err="1"/>
-              <a:t>metodunun</a:t>
-            </a:r>
-            <a:r>
-              <a:rPr lang="en-US" sz="1200" dirty="0"/>
-              <a:t> son </a:t>
-            </a:r>
-            <a:r>
-              <a:rPr lang="en-US" sz="1200" dirty="0" err="1"/>
-              <a:t>nəsil</a:t>
-            </a:r>
-            <a:r>
-              <a:rPr lang="en-US" sz="1200" dirty="0"/>
-              <a:t> </a:t>
-            </a:r>
-            <a:r>
-              <a:rPr lang="en-US" sz="1200" dirty="0" err="1"/>
-              <a:t>alqoritmalarından</a:t>
-            </a:r>
-            <a:r>
-              <a:rPr lang="en-US" sz="1200" dirty="0"/>
-              <a:t> </a:t>
-            </a:r>
-            <a:r>
-              <a:rPr lang="en-US" sz="1200" dirty="0" err="1"/>
-              <a:t>biridir</a:t>
-            </a:r>
-            <a:r>
-              <a:rPr lang="en-US" sz="1200" dirty="0"/>
-              <a:t>. İlk </a:t>
-            </a:r>
-            <a:r>
-              <a:rPr lang="en-US" sz="1200" dirty="0" err="1"/>
-              <a:t>dəfə</a:t>
-            </a:r>
-            <a:r>
-              <a:rPr lang="en-US" sz="1200" dirty="0"/>
-              <a:t> 2016cı </a:t>
-            </a:r>
-            <a:r>
-              <a:rPr lang="en-US" sz="1200" dirty="0" err="1"/>
-              <a:t>ildə</a:t>
-            </a:r>
-            <a:r>
-              <a:rPr lang="en-US" sz="1200" dirty="0"/>
-              <a:t> </a:t>
-            </a:r>
-            <a:r>
-              <a:rPr lang="en-US" sz="1200" b="0" i="0" kern="1200" dirty="0">
-                <a:solidFill>
-                  <a:schemeClr val="tx1"/>
-                </a:solidFill>
-                <a:effectLst/>
-                <a:latin typeface="+mn-lt"/>
-                <a:ea typeface="+mn-ea"/>
-                <a:cs typeface="+mn-cs"/>
-              </a:rPr>
-              <a:t>Washington </a:t>
-            </a:r>
-            <a:r>
-              <a:rPr lang="en-US" sz="1200" b="0" i="0" kern="1200" dirty="0" err="1">
-                <a:solidFill>
-                  <a:schemeClr val="tx1"/>
-                </a:solidFill>
-                <a:effectLst/>
-                <a:latin typeface="+mn-lt"/>
-                <a:ea typeface="+mn-ea"/>
-                <a:cs typeface="+mn-cs"/>
-              </a:rPr>
-              <a:t>Universitetində</a:t>
-            </a:r>
-            <a:r>
-              <a:rPr lang="en-US" sz="1200" dirty="0"/>
-              <a:t> </a:t>
-            </a:r>
-            <a:r>
-              <a:rPr lang="en-US" sz="1200" b="0" i="0" kern="1200" dirty="0">
-                <a:solidFill>
-                  <a:schemeClr val="tx1"/>
-                </a:solidFill>
-                <a:effectLst/>
-                <a:latin typeface="+mn-lt"/>
-                <a:ea typeface="+mn-ea"/>
-                <a:cs typeface="+mn-cs"/>
-              </a:rPr>
-              <a:t>Tianqi Chen </a:t>
-            </a:r>
-            <a:r>
-              <a:rPr lang="en-US" sz="1200" b="0" i="0" kern="1200" dirty="0" err="1">
-                <a:solidFill>
-                  <a:schemeClr val="tx1"/>
-                </a:solidFill>
-                <a:effectLst/>
-                <a:latin typeface="+mn-lt"/>
-                <a:ea typeface="+mn-ea"/>
-                <a:cs typeface="+mn-cs"/>
-              </a:rPr>
-              <a:t>və</a:t>
-            </a:r>
-            <a:r>
-              <a:rPr lang="en-US" sz="1200" b="0" i="0" kern="1200" dirty="0">
-                <a:solidFill>
-                  <a:schemeClr val="tx1"/>
-                </a:solidFill>
-                <a:effectLst/>
-                <a:latin typeface="+mn-lt"/>
-                <a:ea typeface="+mn-ea"/>
-                <a:cs typeface="+mn-cs"/>
-              </a:rPr>
-              <a:t> Carlos </a:t>
-            </a:r>
-            <a:r>
-              <a:rPr lang="en-US" sz="1200" b="0" i="0" kern="1200" dirty="0" err="1">
-                <a:solidFill>
-                  <a:schemeClr val="tx1"/>
-                </a:solidFill>
-                <a:effectLst/>
-                <a:latin typeface="+mn-lt"/>
-                <a:ea typeface="+mn-ea"/>
-                <a:cs typeface="+mn-cs"/>
-              </a:rPr>
-              <a:t>Guestr</a:t>
-            </a:r>
-            <a:r>
-              <a:rPr lang="en-US" sz="1200" b="0" i="0" kern="1200" dirty="0">
-                <a:solidFill>
-                  <a:schemeClr val="tx1"/>
-                </a:solidFill>
-                <a:effectLst/>
-                <a:latin typeface="+mn-lt"/>
-                <a:ea typeface="+mn-ea"/>
-                <a:cs typeface="+mn-cs"/>
-              </a:rPr>
-              <a:t> </a:t>
-            </a:r>
-            <a:r>
-              <a:rPr lang="en-US" sz="1200" dirty="0" err="1"/>
-              <a:t>tərəfindən</a:t>
-            </a:r>
-            <a:r>
-              <a:rPr lang="en-US" sz="1200" dirty="0"/>
-              <a:t> </a:t>
-            </a:r>
-            <a:r>
-              <a:rPr lang="en-US" sz="1200" b="0" i="0" kern="1200" dirty="0">
-                <a:solidFill>
-                  <a:schemeClr val="tx1"/>
-                </a:solidFill>
-                <a:effectLst/>
-                <a:latin typeface="+mn-lt"/>
-                <a:ea typeface="+mn-ea"/>
-                <a:cs typeface="+mn-cs"/>
-              </a:rPr>
-              <a:t>“</a:t>
-            </a:r>
-            <a:r>
-              <a:rPr lang="en-US" sz="1200" b="0" i="0" kern="1200" dirty="0" err="1">
-                <a:solidFill>
-                  <a:schemeClr val="tx1"/>
-                </a:solidFill>
-                <a:effectLst/>
-                <a:latin typeface="+mn-lt"/>
-                <a:ea typeface="+mn-ea"/>
-                <a:cs typeface="+mn-cs"/>
-              </a:rPr>
-              <a:t>XGBoost</a:t>
-            </a:r>
-            <a:r>
-              <a:rPr lang="en-US" sz="1200" b="0" i="0" kern="1200" dirty="0">
-                <a:solidFill>
-                  <a:schemeClr val="tx1"/>
-                </a:solidFill>
-                <a:effectLst/>
-                <a:latin typeface="+mn-lt"/>
-                <a:ea typeface="+mn-ea"/>
-                <a:cs typeface="+mn-cs"/>
-              </a:rPr>
-              <a:t>: A Scalable Tree Boosting System” </a:t>
-            </a:r>
-            <a:r>
-              <a:rPr lang="en-US" sz="1200" b="0" i="0" kern="1200" dirty="0" err="1">
-                <a:solidFill>
-                  <a:schemeClr val="tx1"/>
-                </a:solidFill>
-                <a:effectLst/>
-                <a:latin typeface="+mn-lt"/>
-                <a:ea typeface="+mn-ea"/>
-                <a:cs typeface="+mn-cs"/>
-              </a:rPr>
-              <a:t>adlı</a:t>
-            </a:r>
-            <a:r>
-              <a:rPr lang="en-US" sz="1200" b="0" i="0" kern="1200" dirty="0">
-                <a:solidFill>
-                  <a:schemeClr val="tx1"/>
-                </a:solidFill>
-                <a:effectLst/>
-                <a:latin typeface="+mn-lt"/>
-                <a:ea typeface="+mn-ea"/>
-                <a:cs typeface="+mn-cs"/>
-              </a:rPr>
-              <a:t> </a:t>
-            </a:r>
-            <a:r>
-              <a:rPr lang="en-US" sz="1200" b="0" i="0" kern="1200" dirty="0" err="1">
-                <a:solidFill>
-                  <a:schemeClr val="tx1"/>
-                </a:solidFill>
-                <a:effectLst/>
-                <a:latin typeface="+mn-lt"/>
-                <a:ea typeface="+mn-ea"/>
-                <a:cs typeface="+mn-cs"/>
-              </a:rPr>
-              <a:t>məqalə</a:t>
-            </a:r>
-            <a:r>
-              <a:rPr lang="en-US" sz="1200" b="0" i="0" kern="1200" dirty="0">
-                <a:solidFill>
-                  <a:schemeClr val="tx1"/>
-                </a:solidFill>
-                <a:effectLst/>
-                <a:latin typeface="+mn-lt"/>
-                <a:ea typeface="+mn-ea"/>
-                <a:cs typeface="+mn-cs"/>
-              </a:rPr>
-              <a:t> </a:t>
-            </a:r>
-            <a:r>
-              <a:rPr lang="en-US" sz="1200" b="0" i="0" kern="1200" dirty="0" err="1">
-                <a:solidFill>
-                  <a:schemeClr val="tx1"/>
-                </a:solidFill>
-                <a:effectLst/>
-                <a:latin typeface="+mn-lt"/>
-                <a:ea typeface="+mn-ea"/>
-                <a:cs typeface="+mn-cs"/>
-              </a:rPr>
-              <a:t>ilə</a:t>
-            </a:r>
-            <a:r>
-              <a:rPr lang="en-US" sz="1200" b="0" i="0" kern="1200" dirty="0">
-                <a:solidFill>
-                  <a:schemeClr val="tx1"/>
-                </a:solidFill>
-                <a:effectLst/>
-                <a:latin typeface="+mn-lt"/>
-                <a:ea typeface="+mn-ea"/>
-                <a:cs typeface="+mn-cs"/>
-              </a:rPr>
-              <a:t> </a:t>
-            </a:r>
-            <a:r>
-              <a:rPr lang="en-US" sz="1200" b="0" i="0" kern="1200" dirty="0" err="1">
-                <a:solidFill>
-                  <a:schemeClr val="tx1"/>
-                </a:solidFill>
-                <a:effectLst/>
-                <a:latin typeface="+mn-lt"/>
-                <a:ea typeface="+mn-ea"/>
-                <a:cs typeface="+mn-cs"/>
-              </a:rPr>
-              <a:t>yayınlandı</a:t>
-            </a:r>
-            <a:r>
-              <a:rPr lang="en-US" sz="1200" dirty="0"/>
-              <a:t>. </a:t>
-            </a:r>
-            <a:r>
-              <a:rPr lang="en-US" sz="1200" dirty="0" err="1"/>
-              <a:t>Daha</a:t>
-            </a:r>
-            <a:r>
-              <a:rPr lang="en-US" sz="1200" dirty="0"/>
-              <a:t> </a:t>
-            </a:r>
-            <a:r>
-              <a:rPr lang="en-US" sz="1200" dirty="0" err="1"/>
-              <a:t>sonra</a:t>
-            </a:r>
-            <a:r>
-              <a:rPr lang="en-US" sz="1200" dirty="0"/>
-              <a:t> online </a:t>
-            </a:r>
-            <a:r>
-              <a:rPr lang="en-US" sz="1200" dirty="0" err="1"/>
-              <a:t>qlobal</a:t>
-            </a:r>
-            <a:r>
-              <a:rPr lang="en-US" sz="1200" dirty="0"/>
-              <a:t> ML </a:t>
-            </a:r>
-            <a:r>
-              <a:rPr lang="en-US" sz="1200" dirty="0" err="1"/>
-              <a:t>yarışlarının</a:t>
-            </a:r>
-            <a:r>
-              <a:rPr lang="en-US" sz="1200" dirty="0"/>
-              <a:t> </a:t>
-            </a:r>
-            <a:r>
-              <a:rPr lang="en-US" sz="1200" dirty="0" err="1"/>
-              <a:t>təşkil</a:t>
-            </a:r>
-            <a:r>
-              <a:rPr lang="en-US" sz="1200" dirty="0"/>
-              <a:t> </a:t>
-            </a:r>
-            <a:r>
-              <a:rPr lang="en-US" sz="1200" dirty="0" err="1"/>
-              <a:t>olunduğu</a:t>
-            </a:r>
-            <a:r>
-              <a:rPr lang="en-US" sz="1200" dirty="0"/>
-              <a:t> Kaggle </a:t>
-            </a:r>
-            <a:r>
-              <a:rPr lang="en-US" sz="1200" dirty="0" err="1"/>
-              <a:t>yarışlarında</a:t>
-            </a:r>
-            <a:r>
-              <a:rPr lang="en-US" sz="1200" dirty="0"/>
-              <a:t> </a:t>
-            </a:r>
-            <a:r>
-              <a:rPr lang="en-US" sz="1200" dirty="0" err="1"/>
-              <a:t>demək</a:t>
-            </a:r>
-            <a:r>
-              <a:rPr lang="en-US" sz="1200" dirty="0"/>
-              <a:t> </a:t>
-            </a:r>
-            <a:r>
-              <a:rPr lang="en-US" sz="1200" dirty="0" err="1"/>
-              <a:t>olar</a:t>
-            </a:r>
-            <a:r>
-              <a:rPr lang="en-US" sz="1200" dirty="0"/>
-              <a:t> </a:t>
-            </a:r>
-            <a:r>
-              <a:rPr lang="en-US" sz="1200" dirty="0" err="1"/>
-              <a:t>bütün</a:t>
-            </a:r>
-            <a:r>
-              <a:rPr lang="en-US" sz="1200" dirty="0"/>
-              <a:t> data </a:t>
-            </a:r>
-            <a:r>
-              <a:rPr lang="en-US" sz="1200" dirty="0" err="1"/>
-              <a:t>scientistlərin</a:t>
-            </a:r>
-            <a:r>
-              <a:rPr lang="en-US" sz="1200" dirty="0"/>
-              <a:t> </a:t>
-            </a:r>
-            <a:r>
-              <a:rPr lang="en-US" sz="1200" dirty="0" err="1"/>
-              <a:t>sevimli</a:t>
-            </a:r>
-            <a:r>
-              <a:rPr lang="en-US" sz="1200" dirty="0"/>
-              <a:t> </a:t>
-            </a:r>
-            <a:r>
-              <a:rPr lang="en-US" sz="1200" dirty="0" err="1"/>
-              <a:t>alqoritması</a:t>
-            </a:r>
-            <a:r>
-              <a:rPr lang="en-US" sz="1200" dirty="0"/>
-              <a:t> </a:t>
-            </a:r>
-            <a:r>
-              <a:rPr lang="en-US" sz="1200" dirty="0" err="1"/>
-              <a:t>oldu</a:t>
-            </a:r>
-            <a:r>
-              <a:rPr lang="en-US" sz="1200" dirty="0"/>
-              <a:t>. </a:t>
-            </a:r>
-            <a:r>
-              <a:rPr lang="en-US" sz="1200" dirty="0" err="1"/>
-              <a:t>Çünki</a:t>
-            </a:r>
-            <a:r>
-              <a:rPr lang="en-US" sz="1200" dirty="0"/>
-              <a:t> </a:t>
-            </a:r>
-            <a:r>
-              <a:rPr lang="en-US" sz="1200" dirty="0" err="1"/>
-              <a:t>digər</a:t>
-            </a:r>
-            <a:r>
-              <a:rPr lang="en-US" sz="1200" dirty="0"/>
-              <a:t> </a:t>
-            </a:r>
-            <a:r>
-              <a:rPr lang="en-US" sz="1200" dirty="0" err="1"/>
-              <a:t>alqoritmalara</a:t>
-            </a:r>
-            <a:r>
-              <a:rPr lang="en-US" sz="1200" dirty="0"/>
-              <a:t> </a:t>
-            </a:r>
-            <a:r>
-              <a:rPr lang="en-US" sz="1200" dirty="0" err="1"/>
-              <a:t>nisbətən</a:t>
-            </a:r>
-            <a:r>
-              <a:rPr lang="en-US" sz="1200" dirty="0"/>
-              <a:t> </a:t>
-            </a:r>
-            <a:r>
-              <a:rPr lang="en-US" sz="1200" dirty="0" err="1"/>
-              <a:t>daha</a:t>
-            </a:r>
-            <a:r>
-              <a:rPr lang="en-US" sz="1200" dirty="0"/>
-              <a:t> </a:t>
-            </a:r>
-            <a:r>
-              <a:rPr lang="en-US" sz="1200" dirty="0" err="1"/>
-              <a:t>yaxşı</a:t>
-            </a:r>
-            <a:r>
-              <a:rPr lang="en-US" sz="1200" dirty="0"/>
-              <a:t> </a:t>
-            </a:r>
-            <a:r>
-              <a:rPr lang="en-US" sz="1200" dirty="0" err="1"/>
-              <a:t>nəticə</a:t>
-            </a:r>
-            <a:r>
-              <a:rPr lang="en-US" sz="1200" dirty="0"/>
-              <a:t> </a:t>
-            </a:r>
-            <a:r>
-              <a:rPr lang="en-US" sz="1200" dirty="0" err="1"/>
-              <a:t>göstərirdi</a:t>
-            </a:r>
-            <a:r>
-              <a:rPr lang="en-US" sz="1200" dirty="0"/>
-              <a:t>. Bu </a:t>
-            </a:r>
-            <a:r>
-              <a:rPr lang="en-US" sz="1200" dirty="0" err="1"/>
-              <a:t>alqoriymanın</a:t>
-            </a:r>
-            <a:r>
-              <a:rPr lang="en-US" sz="1200" dirty="0"/>
-              <a:t> </a:t>
-            </a:r>
-            <a:r>
-              <a:rPr lang="en-US" sz="1200" dirty="0" err="1"/>
-              <a:t>ən</a:t>
-            </a:r>
-            <a:r>
-              <a:rPr lang="en-US" sz="1200" dirty="0"/>
-              <a:t> </a:t>
-            </a:r>
-            <a:r>
-              <a:rPr lang="en-US" sz="1200" dirty="0" err="1"/>
-              <a:t>böyük</a:t>
-            </a:r>
-            <a:r>
-              <a:rPr lang="en-US" sz="1200" dirty="0"/>
-              <a:t> </a:t>
-            </a:r>
-            <a:r>
-              <a:rPr lang="en-US" sz="1200" dirty="0" err="1"/>
-              <a:t>xüsusiyyətləri</a:t>
-            </a:r>
-            <a:r>
-              <a:rPr lang="en-US" sz="1200" dirty="0"/>
-              <a:t> </a:t>
-            </a:r>
-            <a:r>
-              <a:rPr lang="en-US" sz="1200" dirty="0" err="1"/>
-              <a:t>modelin</a:t>
-            </a:r>
-            <a:r>
-              <a:rPr lang="en-US" sz="1200" dirty="0"/>
-              <a:t> </a:t>
-            </a:r>
-            <a:r>
-              <a:rPr lang="en-US" sz="1200" dirty="0" err="1"/>
-              <a:t>performansı</a:t>
-            </a:r>
-            <a:r>
-              <a:rPr lang="en-US" sz="1200" dirty="0"/>
-              <a:t> </a:t>
-            </a:r>
-            <a:r>
-              <a:rPr lang="en-US" sz="1200" dirty="0" err="1"/>
-              <a:t>yüksək</a:t>
-            </a:r>
-            <a:r>
-              <a:rPr lang="en-US" sz="1200" dirty="0"/>
-              <a:t> </a:t>
-            </a:r>
-            <a:r>
-              <a:rPr lang="en-US" sz="1200" dirty="0" err="1"/>
-              <a:t>olur</a:t>
-            </a:r>
-            <a:r>
-              <a:rPr lang="en-US" sz="1200" dirty="0"/>
-              <a:t>, </a:t>
-            </a:r>
-            <a:r>
-              <a:rPr lang="en-US" sz="1200" dirty="0" err="1"/>
-              <a:t>overfiiting</a:t>
-            </a:r>
-            <a:r>
-              <a:rPr lang="en-US" sz="1200" dirty="0"/>
-              <a:t> </a:t>
-            </a:r>
-            <a:r>
-              <a:rPr lang="en-US" sz="1200" dirty="0" err="1"/>
-              <a:t>probleminin</a:t>
-            </a:r>
-            <a:r>
-              <a:rPr lang="en-US" sz="1200" dirty="0"/>
-              <a:t> </a:t>
-            </a:r>
-            <a:r>
-              <a:rPr lang="en-US" sz="1200" dirty="0" err="1"/>
-              <a:t>qarşısını</a:t>
-            </a:r>
-            <a:r>
-              <a:rPr lang="en-US" sz="1200" dirty="0"/>
-              <a:t> </a:t>
-            </a:r>
-            <a:r>
-              <a:rPr lang="en-US" sz="1200" dirty="0" err="1"/>
-              <a:t>alır</a:t>
-            </a:r>
-            <a:r>
-              <a:rPr lang="en-US" sz="1200" dirty="0"/>
-              <a:t>, </a:t>
-            </a:r>
-            <a:r>
-              <a:rPr lang="en-US" sz="1200" dirty="0" err="1"/>
-              <a:t>boş</a:t>
-            </a:r>
-            <a:r>
-              <a:rPr lang="en-US" sz="1200" dirty="0"/>
-              <a:t> </a:t>
-            </a:r>
-            <a:r>
-              <a:rPr lang="en-US" sz="1200" dirty="0" err="1"/>
-              <a:t>dəyərləri</a:t>
-            </a:r>
-            <a:r>
-              <a:rPr lang="en-US" sz="1200" dirty="0"/>
-              <a:t> </a:t>
-            </a:r>
-            <a:r>
-              <a:rPr lang="en-US" sz="1200" dirty="0" err="1"/>
-              <a:t>doldurur</a:t>
-            </a:r>
-            <a:r>
-              <a:rPr lang="en-US" sz="1200" dirty="0"/>
-              <a:t> </a:t>
-            </a:r>
-            <a:r>
-              <a:rPr lang="en-US" sz="1200" dirty="0" err="1"/>
-              <a:t>və</a:t>
-            </a:r>
-            <a:r>
-              <a:rPr lang="en-US" sz="1200" dirty="0"/>
-              <a:t> </a:t>
-            </a:r>
-            <a:r>
-              <a:rPr lang="en-US" sz="1200" dirty="0" err="1"/>
-              <a:t>bunları</a:t>
-            </a:r>
-            <a:r>
-              <a:rPr lang="en-US" sz="1200" dirty="0"/>
-              <a:t> </a:t>
-            </a:r>
-            <a:r>
-              <a:rPr lang="en-US" sz="1200" dirty="0" err="1"/>
-              <a:t>çox</a:t>
-            </a:r>
-            <a:r>
-              <a:rPr lang="en-US" sz="1200" dirty="0"/>
-              <a:t> </a:t>
-            </a:r>
-            <a:r>
-              <a:rPr lang="en-US" sz="1200" dirty="0" err="1"/>
-              <a:t>tez</a:t>
-            </a:r>
-            <a:r>
-              <a:rPr lang="en-US" sz="1200" dirty="0"/>
-              <a:t> </a:t>
-            </a:r>
-            <a:r>
-              <a:rPr lang="en-US" sz="1200" dirty="0" err="1"/>
-              <a:t>zamanda</a:t>
-            </a:r>
-            <a:r>
-              <a:rPr lang="en-US" sz="1200" dirty="0"/>
-              <a:t> </a:t>
-            </a:r>
-            <a:r>
-              <a:rPr lang="en-US" sz="1200" dirty="0" err="1"/>
-              <a:t>edir</a:t>
-            </a:r>
-            <a:r>
-              <a:rPr lang="en-US" sz="1200" dirty="0"/>
-              <a:t>. </a:t>
-            </a:r>
-            <a:r>
-              <a:rPr lang="en-US" sz="1200" dirty="0" err="1"/>
-              <a:t>Hətta</a:t>
-            </a:r>
-            <a:r>
-              <a:rPr lang="en-US" sz="1200" dirty="0"/>
-              <a:t> </a:t>
-            </a:r>
-            <a:r>
-              <a:rPr lang="en-US" sz="1200" dirty="0" err="1"/>
-              <a:t>məqalədə</a:t>
-            </a:r>
-            <a:r>
-              <a:rPr lang="en-US" sz="1200" dirty="0"/>
-              <a:t> Tianqi Chen </a:t>
-            </a:r>
-            <a:r>
-              <a:rPr lang="en-US" sz="1200" dirty="0" err="1"/>
-              <a:t>yazıbki</a:t>
-            </a:r>
-            <a:r>
-              <a:rPr lang="en-US" sz="1200" dirty="0"/>
-              <a:t> </a:t>
-            </a:r>
-            <a:r>
-              <a:rPr lang="en-US" sz="1200" dirty="0" err="1"/>
-              <a:t>XGBoost</a:t>
-            </a:r>
-            <a:r>
-              <a:rPr lang="en-US" sz="1200" dirty="0"/>
-              <a:t> </a:t>
-            </a:r>
-            <a:r>
-              <a:rPr lang="en-US" sz="1200" dirty="0" err="1"/>
-              <a:t>digər</a:t>
-            </a:r>
-            <a:r>
-              <a:rPr lang="en-US" sz="1200" dirty="0"/>
-              <a:t> </a:t>
-            </a:r>
-            <a:r>
-              <a:rPr lang="en-US" sz="1200" dirty="0" err="1"/>
-              <a:t>alqoritmalardan</a:t>
-            </a:r>
-            <a:r>
-              <a:rPr lang="en-US" sz="1200" dirty="0"/>
-              <a:t> 10 </a:t>
-            </a:r>
-            <a:r>
-              <a:rPr lang="en-US" sz="1200" dirty="0" err="1"/>
-              <a:t>dəfə</a:t>
-            </a:r>
-            <a:r>
-              <a:rPr lang="en-US" sz="1200" dirty="0"/>
-              <a:t> </a:t>
-            </a:r>
-            <a:r>
-              <a:rPr lang="en-US" sz="1200" dirty="0" err="1"/>
-              <a:t>daha</a:t>
-            </a:r>
-            <a:r>
-              <a:rPr lang="en-US" sz="1200" dirty="0"/>
-              <a:t> </a:t>
-            </a:r>
-            <a:r>
-              <a:rPr lang="en-US" sz="1200" dirty="0" err="1"/>
-              <a:t>sürətlidir</a:t>
-            </a:r>
-            <a:r>
-              <a:rPr lang="en-US" sz="1200"/>
-              <a:t>. </a:t>
-            </a:r>
-            <a:endParaRPr lang="en-US" sz="1200" dirty="0"/>
+              <a:rPr lang="en-US" sz="1200" dirty="0"/>
+              <a:t>………</a:t>
+            </a:r>
           </a:p>
         </p:txBody>
       </p:sp>
@@ -1619,7 +1618,7 @@
           <a:p>
             <a:fld id="{E20A83CE-6681-C04F-A024-104A173FAC51}" type="slidenum">
               <a:rPr lang="en-AZ" smtClean="0"/>
-              <a:t>13</a:t>
+              <a:t>12</a:t>
             </a:fld>
             <a:endParaRPr lang="en-AZ"/>
           </a:p>
@@ -1628,7 +1627,7 @@
     </p:spTree>
     <p:extLst>
       <p:ext uri="{BB962C8B-B14F-4D97-AF65-F5344CB8AC3E}">
-        <p14:creationId xmlns:p14="http://schemas.microsoft.com/office/powerpoint/2010/main" val="3127164731"/>
+        <p14:creationId xmlns:p14="http://schemas.microsoft.com/office/powerpoint/2010/main" val="3899900935"/>
       </p:ext>
     </p:extLst>
   </p:cSld>
@@ -2187,7 +2186,7 @@
           <a:p>
             <a:fld id="{E20A83CE-6681-C04F-A024-104A173FAC51}" type="slidenum">
               <a:rPr lang="en-AZ" smtClean="0"/>
-              <a:t>3</a:t>
+              <a:t>2</a:t>
             </a:fld>
             <a:endParaRPr lang="en-AZ"/>
           </a:p>
@@ -2475,7 +2474,7 @@
           <a:p>
             <a:fld id="{E20A83CE-6681-C04F-A024-104A173FAC51}" type="slidenum">
               <a:rPr lang="en-AZ" smtClean="0"/>
-              <a:t>4</a:t>
+              <a:t>3</a:t>
             </a:fld>
             <a:endParaRPr lang="en-AZ"/>
           </a:p>
@@ -2563,7 +2562,7 @@
           <a:p>
             <a:fld id="{E20A83CE-6681-C04F-A024-104A173FAC51}" type="slidenum">
               <a:rPr lang="en-AZ" smtClean="0"/>
-              <a:t>5</a:t>
+              <a:t>4</a:t>
             </a:fld>
             <a:endParaRPr lang="en-AZ"/>
           </a:p>
@@ -2651,7 +2650,7 @@
           <a:p>
             <a:fld id="{E20A83CE-6681-C04F-A024-104A173FAC51}" type="slidenum">
               <a:rPr lang="en-AZ" smtClean="0"/>
-              <a:t>6</a:t>
+              <a:t>5</a:t>
             </a:fld>
             <a:endParaRPr lang="en-AZ"/>
           </a:p>
@@ -2716,7 +2715,7 @@
           <a:p>
             <a:r>
               <a:rPr lang="en-AZ" dirty="0"/>
-              <a:t>”Decision Tree” alqoritması 1 ağacdan ibarət olur. Təsadüfi Meşə deyə tərcümə etdiyimiz ”Random Forest” alqoritması da 1dən daha çox qərar ağaclarına sahib olur. Yəni bu say 2dən başlayır, 100ə 1000ə qədər ola bilər. </a:t>
+              <a:t>”Decision Tree” alqoritması 1 ağacdan ibarət olur. Təsadüfi Meşə deyə tərcümə etdiyimiz ”Random Forest” alqoritması da 1dən daha çox qərar ağaclarına sahib olur. Yəni bu say 2dən başlayır, 100ə 1000ə qədər ola bilər. Yəni 1 faktordan bölməyə başlayırdısa, artıq, bu ağac kimi fərqli ağaclar qurulur.</a:t>
             </a:r>
           </a:p>
         </p:txBody>
@@ -2738,7 +2737,7 @@
           <a:p>
             <a:fld id="{E20A83CE-6681-C04F-A024-104A173FAC51}" type="slidenum">
               <a:rPr lang="en-AZ" smtClean="0"/>
-              <a:t>7</a:t>
+              <a:t>6</a:t>
             </a:fld>
             <a:endParaRPr lang="en-AZ"/>
           </a:p>
@@ -2833,7 +2832,7 @@
           <a:p>
             <a:fld id="{E20A83CE-6681-C04F-A024-104A173FAC51}" type="slidenum">
               <a:rPr lang="en-AZ" smtClean="0"/>
-              <a:t>8</a:t>
+              <a:t>7</a:t>
             </a:fld>
             <a:endParaRPr lang="en-AZ"/>
           </a:p>
@@ -2920,7 +2919,7 @@
           <a:p>
             <a:fld id="{E20A83CE-6681-C04F-A024-104A173FAC51}" type="slidenum">
               <a:rPr lang="en-AZ" smtClean="0"/>
-              <a:t>9</a:t>
+              <a:t>8</a:t>
             </a:fld>
             <a:endParaRPr lang="en-AZ"/>
           </a:p>
@@ -2984,8 +2983,28 @@
           <a:lstStyle/>
           <a:p>
             <a:r>
-              <a:rPr lang="en-US" sz="1200" dirty="0"/>
-              <a:t>Bagging </a:t>
+              <a:rPr lang="en-US" sz="1200" dirty="0" err="1"/>
+              <a:t>Gəldik</a:t>
+            </a:r>
+            <a:r>
+              <a:rPr lang="en-US" sz="1200" dirty="0"/>
+              <a:t> </a:t>
+            </a:r>
+            <a:r>
+              <a:rPr lang="en-US" sz="1200" dirty="0" err="1"/>
+              <a:t>ən</a:t>
+            </a:r>
+            <a:r>
+              <a:rPr lang="en-US" sz="1200" dirty="0"/>
+              <a:t> </a:t>
+            </a:r>
+            <a:r>
+              <a:rPr lang="en-US" sz="1200" dirty="0" err="1"/>
+              <a:t>önəmli</a:t>
+            </a:r>
+            <a:r>
+              <a:rPr lang="en-US" sz="1200" dirty="0"/>
+              <a:t> </a:t>
             </a:r>
             <a:r>
               <a:rPr lang="en-US" sz="1200" dirty="0" err="1"/>
@@ -2993,6 +3012,30 @@
             </a:r>
             <a:r>
               <a:rPr lang="en-US" sz="1200" dirty="0"/>
+              <a:t> </a:t>
+            </a:r>
+            <a:r>
+              <a:rPr lang="en-US" sz="1200" dirty="0" err="1"/>
+              <a:t>maraqlı</a:t>
+            </a:r>
+            <a:r>
+              <a:rPr lang="en-US" sz="1200" dirty="0"/>
+              <a:t> </a:t>
+            </a:r>
+            <a:r>
+              <a:rPr lang="en-US" sz="1200" dirty="0" err="1"/>
+              <a:t>hissəyə</a:t>
+            </a:r>
+            <a:r>
+              <a:rPr lang="en-US" sz="1200" dirty="0"/>
+              <a:t>. Bagging </a:t>
+            </a:r>
+            <a:r>
+              <a:rPr lang="en-US" sz="1200" dirty="0" err="1"/>
+              <a:t>və</a:t>
+            </a:r>
+            <a:r>
+              <a:rPr lang="en-US" sz="1200" dirty="0"/>
               <a:t> Boosting. </a:t>
             </a:r>
             <a:r>
@@ -3109,7 +3152,23 @@
             </a:r>
             <a:r>
               <a:rPr lang="en-US" sz="1200" dirty="0" err="1"/>
-              <a:t>Görürükki</a:t>
+              <a:t>Əvvəlki</a:t>
+            </a:r>
+            <a:r>
+              <a:rPr lang="en-US" sz="1200" dirty="0"/>
+              <a:t> </a:t>
+            </a:r>
+            <a:r>
+              <a:rPr lang="en-US" sz="1200" dirty="0" err="1"/>
+              <a:t>slidelardan</a:t>
+            </a:r>
+            <a:r>
+              <a:rPr lang="en-US" sz="1200" dirty="0"/>
+              <a:t> da </a:t>
+            </a:r>
+            <a:r>
+              <a:rPr lang="en-US" sz="1200" dirty="0" err="1"/>
+              <a:t>bilirikki</a:t>
             </a:r>
             <a:r>
               <a:rPr lang="en-US" sz="1200" dirty="0"/>
@@ -3627,12 +3686,37 @@
             </a:r>
             <a:r>
               <a:rPr lang="en-US" sz="1200" dirty="0" err="1"/>
-              <a:t>alqoritmasıdır</a:t>
+              <a:t>alqoritmalarıdır</a:t>
             </a:r>
             <a:r>
               <a:rPr lang="en-US" sz="1200" dirty="0"/>
               <a:t>. </a:t>
             </a:r>
+            <a:r>
+              <a:rPr lang="en-AZ" dirty="0"/>
+              <a:t>”XGBOOST”,”LightGBM”,”CatBoost”,</a:t>
+            </a:r>
+            <a:r>
+              <a:rPr lang="en-US" dirty="0"/>
+              <a:t>”AdaBoost” </a:t>
+            </a:r>
+            <a:r>
+              <a:rPr lang="en-US" dirty="0" err="1"/>
+              <a:t>alqoritmalarının</a:t>
+            </a:r>
+            <a:r>
+              <a:rPr lang="en-US" dirty="0"/>
+              <a:t> </a:t>
+            </a:r>
+            <a:r>
+              <a:rPr lang="en-US" dirty="0" err="1"/>
+              <a:t>məntiqi</a:t>
+            </a:r>
+            <a:r>
+              <a:rPr lang="en-US" dirty="0"/>
+              <a:t>.</a:t>
+            </a:r>
+            <a:endParaRPr lang="en-US" sz="1200" dirty="0"/>
           </a:p>
           <a:p>
             <a:r>
@@ -3813,8 +3897,67 @@
             </a:r>
             <a:r>
               <a:rPr lang="en-US" sz="1200" dirty="0"/>
+              <a:t>. Buna </a:t>
+            </a:r>
+            <a:r>
+              <a:rPr lang="en-US" sz="1200" dirty="0" err="1"/>
+              <a:t>görə</a:t>
+            </a:r>
+            <a:r>
+              <a:rPr lang="en-US" sz="1200" dirty="0"/>
+              <a:t> </a:t>
+            </a:r>
+            <a:r>
+              <a:rPr lang="en-US" sz="1200" dirty="0" err="1"/>
+              <a:t>də</a:t>
+            </a:r>
+            <a:r>
+              <a:rPr lang="en-US" sz="1200" dirty="0"/>
+              <a:t> </a:t>
+            </a:r>
+            <a:r>
+              <a:rPr lang="en-US" sz="1200" dirty="0" err="1"/>
+              <a:t>bu</a:t>
+            </a:r>
+            <a:r>
+              <a:rPr lang="en-US" sz="1200" dirty="0"/>
+              <a:t> </a:t>
+            </a:r>
+            <a:r>
+              <a:rPr lang="en-US" sz="1200" dirty="0" err="1"/>
+              <a:t>alqoritmaların</a:t>
+            </a:r>
+            <a:r>
+              <a:rPr lang="en-US" sz="1200" dirty="0"/>
+              <a:t> </a:t>
+            </a:r>
+            <a:r>
+              <a:rPr lang="en-US" sz="1200" dirty="0" err="1"/>
+              <a:t>performansı</a:t>
+            </a:r>
+            <a:r>
+              <a:rPr lang="en-US" sz="1200" dirty="0"/>
+              <a:t> </a:t>
+            </a:r>
+            <a:r>
+              <a:rPr lang="en-US" sz="1200" dirty="0" err="1"/>
+              <a:t>digərlərindən</a:t>
+            </a:r>
+            <a:r>
+              <a:rPr lang="en-US" sz="1200" dirty="0"/>
+              <a:t> </a:t>
+            </a:r>
+            <a:r>
+              <a:rPr lang="en-US" sz="1200" dirty="0" err="1"/>
+              <a:t>yaxşıdır</a:t>
+            </a:r>
+            <a:r>
+              <a:rPr lang="en-US" sz="1200" dirty="0"/>
               <a:t>.</a:t>
             </a:r>
+          </a:p>
+          <a:p>
+            <a:endParaRPr lang="en-US" sz="1200" dirty="0"/>
           </a:p>
         </p:txBody>
       </p:sp>
@@ -3835,7 +3978,7 @@
           <a:p>
             <a:fld id="{E20A83CE-6681-C04F-A024-104A173FAC51}" type="slidenum">
               <a:rPr lang="en-AZ" smtClean="0"/>
-              <a:t>10</a:t>
+              <a:t>9</a:t>
             </a:fld>
             <a:endParaRPr lang="en-AZ"/>
           </a:p>
@@ -4003,7 +4146,7 @@
           <a:p>
             <a:fld id="{EBACF712-F0AA-E74C-9899-DDC26051D0B1}" type="datetimeFigureOut">
               <a:rPr lang="en-AZ" smtClean="0"/>
-              <a:t>01.09.22</a:t>
+              <a:t>03.09.22</a:t>
             </a:fld>
             <a:endParaRPr lang="en-AZ"/>
           </a:p>
@@ -4203,7 +4346,7 @@
           <a:p>
             <a:fld id="{EBACF712-F0AA-E74C-9899-DDC26051D0B1}" type="datetimeFigureOut">
               <a:rPr lang="en-AZ" smtClean="0"/>
-              <a:t>01.09.22</a:t>
+              <a:t>03.09.22</a:t>
             </a:fld>
             <a:endParaRPr lang="en-AZ"/>
           </a:p>
@@ -4413,7 +4556,7 @@
           <a:p>
             <a:fld id="{EBACF712-F0AA-E74C-9899-DDC26051D0B1}" type="datetimeFigureOut">
               <a:rPr lang="en-AZ" smtClean="0"/>
-              <a:t>01.09.22</a:t>
+              <a:t>03.09.22</a:t>
             </a:fld>
             <a:endParaRPr lang="en-AZ"/>
           </a:p>
@@ -4613,7 +4756,7 @@
           <a:p>
             <a:fld id="{EBACF712-F0AA-E74C-9899-DDC26051D0B1}" type="datetimeFigureOut">
               <a:rPr lang="en-AZ" smtClean="0"/>
-              <a:t>01.09.22</a:t>
+              <a:t>03.09.22</a:t>
             </a:fld>
             <a:endParaRPr lang="en-AZ"/>
           </a:p>
@@ -4889,7 +5032,7 @@
           <a:p>
             <a:fld id="{EBACF712-F0AA-E74C-9899-DDC26051D0B1}" type="datetimeFigureOut">
               <a:rPr lang="en-AZ" smtClean="0"/>
-              <a:t>01.09.22</a:t>
+              <a:t>03.09.22</a:t>
             </a:fld>
             <a:endParaRPr lang="en-AZ"/>
           </a:p>
@@ -5157,7 +5300,7 @@
           <a:p>
             <a:fld id="{EBACF712-F0AA-E74C-9899-DDC26051D0B1}" type="datetimeFigureOut">
               <a:rPr lang="en-AZ" smtClean="0"/>
-              <a:t>01.09.22</a:t>
+              <a:t>03.09.22</a:t>
             </a:fld>
             <a:endParaRPr lang="en-AZ"/>
           </a:p>
@@ -5572,7 +5715,7 @@
           <a:p>
             <a:fld id="{EBACF712-F0AA-E74C-9899-DDC26051D0B1}" type="datetimeFigureOut">
               <a:rPr lang="en-AZ" smtClean="0"/>
-              <a:t>01.09.22</a:t>
+              <a:t>03.09.22</a:t>
             </a:fld>
             <a:endParaRPr lang="en-AZ"/>
           </a:p>
@@ -5714,7 +5857,7 @@
           <a:p>
             <a:fld id="{EBACF712-F0AA-E74C-9899-DDC26051D0B1}" type="datetimeFigureOut">
               <a:rPr lang="en-AZ" smtClean="0"/>
-              <a:t>01.09.22</a:t>
+              <a:t>03.09.22</a:t>
             </a:fld>
             <a:endParaRPr lang="en-AZ"/>
           </a:p>
@@ -5827,7 +5970,7 @@
           <a:p>
             <a:fld id="{EBACF712-F0AA-E74C-9899-DDC26051D0B1}" type="datetimeFigureOut">
               <a:rPr lang="en-AZ" smtClean="0"/>
-              <a:t>01.09.22</a:t>
+              <a:t>03.09.22</a:t>
             </a:fld>
             <a:endParaRPr lang="en-AZ"/>
           </a:p>
@@ -6140,7 +6283,7 @@
           <a:p>
             <a:fld id="{EBACF712-F0AA-E74C-9899-DDC26051D0B1}" type="datetimeFigureOut">
               <a:rPr lang="en-AZ" smtClean="0"/>
-              <a:t>01.09.22</a:t>
+              <a:t>03.09.22</a:t>
             </a:fld>
             <a:endParaRPr lang="en-AZ"/>
           </a:p>
@@ -6429,7 +6572,7 @@
           <a:p>
             <a:fld id="{EBACF712-F0AA-E74C-9899-DDC26051D0B1}" type="datetimeFigureOut">
               <a:rPr lang="en-AZ" smtClean="0"/>
-              <a:t>01.09.22</a:t>
+              <a:t>03.09.22</a:t>
             </a:fld>
             <a:endParaRPr lang="en-AZ"/>
           </a:p>
@@ -6672,7 +6815,7 @@
           <a:p>
             <a:fld id="{EBACF712-F0AA-E74C-9899-DDC26051D0B1}" type="datetimeFigureOut">
               <a:rPr lang="en-AZ" smtClean="0"/>
-              <a:t>01.09.22</a:t>
+              <a:t>03.09.22</a:t>
             </a:fld>
             <a:endParaRPr lang="en-AZ"/>
           </a:p>
@@ -7091,10 +7234,10 @@
       </p:grpSpPr>
       <p:sp>
         <p:nvSpPr>
-          <p:cNvPr id="3" name="Content Placeholder 2">
+          <p:cNvPr id="2" name="Title 1">
             <a:extLst>
               <a:ext uri="{FF2B5EF4-FFF2-40B4-BE49-F238E27FC236}">
-                <a16:creationId xmlns:a16="http://schemas.microsoft.com/office/drawing/2014/main" id="{557CB31D-8A20-A187-57F4-4CA66BF5DF14}"/>
+                <a16:creationId xmlns:a16="http://schemas.microsoft.com/office/drawing/2014/main" id="{027E1851-1681-EF32-1948-416DF41450CE}"/>
               </a:ext>
             </a:extLst>
           </p:cNvPr>
@@ -7102,13 +7245,13 @@
             <a:spLocks noGrp="1"/>
           </p:cNvSpPr>
           <p:nvPr>
-            <p:ph idx="1"/>
+            <p:ph type="ctrTitle"/>
           </p:nvPr>
         </p:nvSpPr>
         <p:spPr>
           <a:xfrm>
-            <a:off x="215900" y="0"/>
-            <a:ext cx="11137900" cy="6663847"/>
+            <a:off x="539115" y="1568132"/>
+            <a:ext cx="11113770" cy="2900998"/>
           </a:xfrm>
         </p:spPr>
         <p:txBody>
@@ -7117,48 +7260,61 @@
           </a:bodyPr>
           <a:lstStyle/>
           <a:p>
-            <a:pPr marL="0" indent="0">
-              <a:buNone/>
-            </a:pPr>
-            <a:endParaRPr lang="en-US" sz="1200" dirty="0"/>
-          </a:p>
-          <a:p>
-            <a:pPr marL="0" indent="0">
-              <a:buNone/>
-            </a:pPr>
-            <a:r>
-              <a:rPr lang="en-US" sz="1200" dirty="0"/>
-              <a:t>X</a:t>
-            </a:r>
-            <a:r>
-              <a:rPr lang="en-AZ" sz="1200" dirty="0"/>
-              <a:t>gboost</a:t>
-            </a:r>
-          </a:p>
-          <a:p>
-            <a:r>
-              <a:rPr lang="en-US" sz="1200" dirty="0">
-                <a:hlinkClick r:id="rId2"/>
-              </a:rPr>
-              <a:t>https://ahmetkuzubasli.medium.com/neden-ilk-adresiniz-xgboost-75010416a583</a:t>
-            </a:r>
-            <a:endParaRPr lang="en-US" sz="1200" dirty="0"/>
-          </a:p>
-          <a:p>
-            <a:r>
-              <a:rPr lang="en-US" sz="1200" dirty="0">
-                <a:hlinkClick r:id="rId3"/>
-              </a:rPr>
-              <a:t>https://www.veribilimiokulu.com/xgboost-nasil-calisir/</a:t>
-            </a:r>
-            <a:endParaRPr lang="en-US" sz="1200" dirty="0"/>
+            <a:r>
+              <a:rPr lang="en-US" dirty="0"/>
+              <a:t>"</a:t>
+            </a:r>
+            <a:r>
+              <a:rPr lang="en-US" b="1" dirty="0" err="1"/>
+              <a:t>Qərar</a:t>
+            </a:r>
+            <a:r>
+              <a:rPr lang="en-US" b="1" dirty="0"/>
+              <a:t> </a:t>
+            </a:r>
+            <a:r>
+              <a:rPr lang="en-US" b="1" dirty="0" err="1"/>
+              <a:t>Ağacı</a:t>
+            </a:r>
+            <a:r>
+              <a:rPr lang="en-US" dirty="0" err="1"/>
+              <a:t>"</a:t>
+            </a:r>
+            <a:r>
+              <a:rPr lang="en-US" sz="4400" dirty="0" err="1"/>
+              <a:t>ndan</a:t>
+            </a:r>
+            <a:r>
+              <a:rPr lang="en-US" dirty="0"/>
+              <a:t> "</a:t>
+            </a:r>
+            <a:r>
+              <a:rPr lang="en-US" b="1" dirty="0" err="1"/>
+              <a:t>XGBoost</a:t>
+            </a:r>
+            <a:r>
+              <a:rPr lang="en-US" dirty="0" err="1"/>
+              <a:t>"</a:t>
+            </a:r>
+            <a:r>
+              <a:rPr lang="en-US" sz="4400" dirty="0" err="1"/>
+              <a:t>a</a:t>
+            </a:r>
+            <a:br>
+              <a:rPr lang="en-US" dirty="0"/>
+            </a:br>
+            <a:r>
+              <a:rPr lang="en-US"/>
+              <a:t> </a:t>
+            </a:r>
+            <a:endParaRPr lang="en-AZ" dirty="0"/>
           </a:p>
         </p:txBody>
       </p:sp>
     </p:spTree>
     <p:extLst>
       <p:ext uri="{BB962C8B-B14F-4D97-AF65-F5344CB8AC3E}">
-        <p14:creationId xmlns:p14="http://schemas.microsoft.com/office/powerpoint/2010/main" val="4003497204"/>
+        <p14:creationId xmlns:p14="http://schemas.microsoft.com/office/powerpoint/2010/main" val="3357320733"/>
       </p:ext>
     </p:extLst>
   </p:cSld>
@@ -7185,75 +7341,12 @@
           <a:chExt cx="0" cy="0"/>
         </a:xfrm>
       </p:grpSpPr>
-      <p:sp>
-        <p:nvSpPr>
-          <p:cNvPr id="12" name="Rectangle 11">
+      <p:pic>
+        <p:nvPicPr>
+          <p:cNvPr id="5" name="Picture 4">
             <a:extLst>
               <a:ext uri="{FF2B5EF4-FFF2-40B4-BE49-F238E27FC236}">
-                <a16:creationId xmlns:a16="http://schemas.microsoft.com/office/drawing/2014/main" id="{71F58E72-6787-BACA-4B28-D2B90BAF919F}"/>
-              </a:ext>
-            </a:extLst>
-          </p:cNvPr>
-          <p:cNvSpPr/>
-          <p:nvPr/>
-        </p:nvSpPr>
-        <p:spPr>
-          <a:xfrm>
-            <a:off x="0" y="0"/>
-            <a:ext cx="12192000" cy="523220"/>
-          </a:xfrm>
-          <a:prstGeom prst="rect">
-            <a:avLst/>
-          </a:prstGeom>
-        </p:spPr>
-        <p:txBody>
-          <a:bodyPr wrap="square">
-            <a:spAutoFit/>
-          </a:bodyPr>
-          <a:lstStyle/>
-          <a:p>
-            <a:r>
-              <a:rPr lang="en-US" sz="2800" dirty="0" err="1"/>
-              <a:t>Qradian</a:t>
-            </a:r>
-            <a:r>
-              <a:rPr lang="en-US" sz="2800" dirty="0"/>
-              <a:t> </a:t>
-            </a:r>
-            <a:r>
-              <a:rPr lang="en-US" sz="2800" dirty="0" err="1"/>
-              <a:t>Artırma</a:t>
-            </a:r>
-            <a:r>
-              <a:rPr lang="en-US" sz="2800" dirty="0"/>
-              <a:t> (</a:t>
-            </a:r>
-            <a:r>
-              <a:rPr lang="en-US" sz="2800" dirty="0" err="1"/>
-              <a:t>Ardıcıl</a:t>
-            </a:r>
-            <a:r>
-              <a:rPr lang="en-US" sz="2800" dirty="0"/>
-              <a:t> </a:t>
-            </a:r>
-            <a:r>
-              <a:rPr lang="en-US" sz="2800" dirty="0" err="1"/>
-              <a:t>öyrənmə</a:t>
-            </a:r>
-            <a:r>
-              <a:rPr lang="en-US" sz="2800" dirty="0"/>
-              <a:t>) – Gradient Boosting (Sequential learning)</a:t>
-            </a:r>
-            <a:endParaRPr lang="en-AZ" sz="2800" dirty="0"/>
-          </a:p>
-        </p:txBody>
-      </p:sp>
-      <p:pic>
-        <p:nvPicPr>
-          <p:cNvPr id="8" name="Picture 7">
-            <a:extLst>
-              <a:ext uri="{FF2B5EF4-FFF2-40B4-BE49-F238E27FC236}">
-                <a16:creationId xmlns:a16="http://schemas.microsoft.com/office/drawing/2014/main" id="{CFCDE153-EEB5-6DAB-1E20-D640A5818BF5}"/>
+                <a16:creationId xmlns:a16="http://schemas.microsoft.com/office/drawing/2014/main" id="{1CDB799C-D71C-6D0F-AE66-B9CE7DAB8BDE}"/>
               </a:ext>
             </a:extLst>
           </p:cNvPr>
@@ -7270,48 +7363,81 @@
         </p:blipFill>
         <p:spPr>
           <a:xfrm>
-            <a:off x="6488482" y="3667958"/>
-            <a:ext cx="5428114" cy="3048791"/>
+            <a:off x="2676716" y="836057"/>
+            <a:ext cx="6838567" cy="5924608"/>
           </a:xfrm>
           <a:prstGeom prst="rect">
             <a:avLst/>
           </a:prstGeom>
         </p:spPr>
       </p:pic>
-      <p:pic>
-        <p:nvPicPr>
-          <p:cNvPr id="6" name="Picture 5">
+      <p:sp>
+        <p:nvSpPr>
+          <p:cNvPr id="6" name="Rectangle 5">
             <a:extLst>
               <a:ext uri="{FF2B5EF4-FFF2-40B4-BE49-F238E27FC236}">
-                <a16:creationId xmlns:a16="http://schemas.microsoft.com/office/drawing/2014/main" id="{A6BE21EF-5141-C35B-0813-E86F5F0B0A4C}"/>
+                <a16:creationId xmlns:a16="http://schemas.microsoft.com/office/drawing/2014/main" id="{42F3DE93-5594-3CC8-0811-E6D5FF0E21E7}"/>
               </a:ext>
             </a:extLst>
           </p:cNvPr>
-          <p:cNvPicPr>
-            <a:picLocks noChangeAspect="1"/>
-          </p:cNvPicPr>
+          <p:cNvSpPr/>
           <p:nvPr/>
-        </p:nvPicPr>
-        <p:blipFill>
-          <a:blip r:embed="rId4"/>
-          <a:stretch>
-            <a:fillRect/>
-          </a:stretch>
-        </p:blipFill>
+        </p:nvSpPr>
         <p:spPr>
           <a:xfrm>
-            <a:off x="387264" y="765112"/>
-            <a:ext cx="6448646" cy="3381003"/>
+            <a:off x="0" y="0"/>
+            <a:ext cx="12192000" cy="523220"/>
           </a:xfrm>
           <a:prstGeom prst="rect">
             <a:avLst/>
           </a:prstGeom>
         </p:spPr>
-      </p:pic>
+        <p:txBody>
+          <a:bodyPr wrap="square">
+            <a:spAutoFit/>
+          </a:bodyPr>
+          <a:lstStyle/>
+          <a:p>
+            <a:r>
+              <a:rPr lang="en-US" sz="2800" dirty="0" err="1"/>
+              <a:t>Qradian</a:t>
+            </a:r>
+            <a:r>
+              <a:rPr lang="en-US" sz="2800" dirty="0"/>
+              <a:t> </a:t>
+            </a:r>
+            <a:r>
+              <a:rPr lang="en-US" sz="2800" dirty="0" err="1"/>
+              <a:t>Artırma</a:t>
+            </a:r>
+            <a:r>
+              <a:rPr lang="en-US" sz="2800" dirty="0"/>
+              <a:t> (</a:t>
+            </a:r>
+            <a:r>
+              <a:rPr lang="en-US" sz="2800" dirty="0" err="1"/>
+              <a:t>Ardıcıl</a:t>
+            </a:r>
+            <a:r>
+              <a:rPr lang="en-US" sz="2800" dirty="0"/>
+              <a:t> </a:t>
+            </a:r>
+            <a:r>
+              <a:rPr lang="en-US" sz="2800" dirty="0" err="1"/>
+              <a:t>öyrənmə</a:t>
+            </a:r>
+            <a:r>
+              <a:rPr lang="en-US" sz="2800" dirty="0"/>
+              <a:t>) – Gradient Boosting (Sequential learning)</a:t>
+            </a:r>
+            <a:endParaRPr lang="en-AZ" sz="2800" dirty="0"/>
+          </a:p>
+        </p:txBody>
+      </p:sp>
     </p:spTree>
     <p:extLst>
       <p:ext uri="{BB962C8B-B14F-4D97-AF65-F5344CB8AC3E}">
-        <p14:creationId xmlns:p14="http://schemas.microsoft.com/office/powerpoint/2010/main" val="1454851718"/>
+        <p14:creationId xmlns:p14="http://schemas.microsoft.com/office/powerpoint/2010/main" val="985788242"/>
       </p:ext>
     </p:extLst>
   </p:cSld>
@@ -7539,223 +7665,7 @@
 </p:sld>
 </file>
 
-<file path=ppt/slides/slide13.xml><?xml version="1.0" encoding="utf-8"?>
-<p:sld xmlns:a="http://schemas.openxmlformats.org/drawingml/2006/main" xmlns:r="http://schemas.openxmlformats.org/officeDocument/2006/relationships" xmlns:p="http://schemas.openxmlformats.org/presentationml/2006/main">
-  <p:cSld>
-    <p:spTree>
-      <p:nvGrpSpPr>
-        <p:cNvPr id="1" name=""/>
-        <p:cNvGrpSpPr/>
-        <p:nvPr/>
-      </p:nvGrpSpPr>
-      <p:grpSpPr>
-        <a:xfrm>
-          <a:off x="0" y="0"/>
-          <a:ext cx="0" cy="0"/>
-          <a:chOff x="0" y="0"/>
-          <a:chExt cx="0" cy="0"/>
-        </a:xfrm>
-      </p:grpSpPr>
-      <p:sp>
-        <p:nvSpPr>
-          <p:cNvPr id="12" name="Rectangle 11">
-            <a:extLst>
-              <a:ext uri="{FF2B5EF4-FFF2-40B4-BE49-F238E27FC236}">
-                <a16:creationId xmlns:a16="http://schemas.microsoft.com/office/drawing/2014/main" id="{71F58E72-6787-BACA-4B28-D2B90BAF919F}"/>
-              </a:ext>
-            </a:extLst>
-          </p:cNvPr>
-          <p:cNvSpPr/>
-          <p:nvPr/>
-        </p:nvSpPr>
-        <p:spPr>
-          <a:xfrm>
-            <a:off x="0" y="0"/>
-            <a:ext cx="12192000" cy="523220"/>
-          </a:xfrm>
-          <a:prstGeom prst="rect">
-            <a:avLst/>
-          </a:prstGeom>
-        </p:spPr>
-        <p:txBody>
-          <a:bodyPr wrap="square">
-            <a:spAutoFit/>
-          </a:bodyPr>
-          <a:lstStyle/>
-          <a:p>
-            <a:r>
-              <a:rPr lang="en-US" sz="2800" dirty="0" err="1"/>
-              <a:t>XGBoost</a:t>
-            </a:r>
-            <a:r>
-              <a:rPr lang="en-US" sz="2800" dirty="0"/>
-              <a:t> (</a:t>
-            </a:r>
-            <a:r>
-              <a:rPr lang="en-US" sz="2800" dirty="0" err="1"/>
-              <a:t>eXtreme</a:t>
-            </a:r>
-            <a:r>
-              <a:rPr lang="en-US" sz="2800" dirty="0"/>
-              <a:t> Gradient Boosting)</a:t>
-            </a:r>
-            <a:endParaRPr lang="en-AZ" sz="2800" dirty="0"/>
-          </a:p>
-        </p:txBody>
-      </p:sp>
-      <p:pic>
-        <p:nvPicPr>
-          <p:cNvPr id="5" name="Picture 4">
-            <a:extLst>
-              <a:ext uri="{FF2B5EF4-FFF2-40B4-BE49-F238E27FC236}">
-                <a16:creationId xmlns:a16="http://schemas.microsoft.com/office/drawing/2014/main" id="{1CDB799C-D71C-6D0F-AE66-B9CE7DAB8BDE}"/>
-              </a:ext>
-            </a:extLst>
-          </p:cNvPr>
-          <p:cNvPicPr>
-            <a:picLocks noChangeAspect="1"/>
-          </p:cNvPicPr>
-          <p:nvPr/>
-        </p:nvPicPr>
-        <p:blipFill>
-          <a:blip r:embed="rId3"/>
-          <a:stretch>
-            <a:fillRect/>
-          </a:stretch>
-        </p:blipFill>
-        <p:spPr>
-          <a:xfrm>
-            <a:off x="2676716" y="836057"/>
-            <a:ext cx="6838567" cy="5924608"/>
-          </a:xfrm>
-          <a:prstGeom prst="rect">
-            <a:avLst/>
-          </a:prstGeom>
-        </p:spPr>
-      </p:pic>
-    </p:spTree>
-    <p:extLst>
-      <p:ext uri="{BB962C8B-B14F-4D97-AF65-F5344CB8AC3E}">
-        <p14:creationId xmlns:p14="http://schemas.microsoft.com/office/powerpoint/2010/main" val="985788242"/>
-      </p:ext>
-    </p:extLst>
-  </p:cSld>
-  <p:clrMapOvr>
-    <a:masterClrMapping/>
-  </p:clrMapOvr>
-</p:sld>
-</file>
-
 <file path=ppt/slides/slide2.xml><?xml version="1.0" encoding="utf-8"?>
-<p:sld xmlns:a="http://schemas.openxmlformats.org/drawingml/2006/main" xmlns:r="http://schemas.openxmlformats.org/officeDocument/2006/relationships" xmlns:p="http://schemas.openxmlformats.org/presentationml/2006/main">
-  <p:cSld>
-    <p:spTree>
-      <p:nvGrpSpPr>
-        <p:cNvPr id="1" name=""/>
-        <p:cNvGrpSpPr/>
-        <p:nvPr/>
-      </p:nvGrpSpPr>
-      <p:grpSpPr>
-        <a:xfrm>
-          <a:off x="0" y="0"/>
-          <a:ext cx="0" cy="0"/>
-          <a:chOff x="0" y="0"/>
-          <a:chExt cx="0" cy="0"/>
-        </a:xfrm>
-      </p:grpSpPr>
-      <p:sp>
-        <p:nvSpPr>
-          <p:cNvPr id="2" name="Title 1">
-            <a:extLst>
-              <a:ext uri="{FF2B5EF4-FFF2-40B4-BE49-F238E27FC236}">
-                <a16:creationId xmlns:a16="http://schemas.microsoft.com/office/drawing/2014/main" id="{027E1851-1681-EF32-1948-416DF41450CE}"/>
-              </a:ext>
-            </a:extLst>
-          </p:cNvPr>
-          <p:cNvSpPr>
-            <a:spLocks noGrp="1"/>
-          </p:cNvSpPr>
-          <p:nvPr>
-            <p:ph type="ctrTitle"/>
-          </p:nvPr>
-        </p:nvSpPr>
-        <p:spPr>
-          <a:xfrm>
-            <a:off x="539115" y="1568132"/>
-            <a:ext cx="11113770" cy="2900998"/>
-          </a:xfrm>
-        </p:spPr>
-        <p:txBody>
-          <a:bodyPr>
-            <a:normAutofit/>
-          </a:bodyPr>
-          <a:lstStyle/>
-          <a:p>
-            <a:r>
-              <a:rPr lang="en-US" dirty="0"/>
-              <a:t>"</a:t>
-            </a:r>
-            <a:r>
-              <a:rPr lang="en-US" b="1" dirty="0" err="1"/>
-              <a:t>Qərar</a:t>
-            </a:r>
-            <a:r>
-              <a:rPr lang="en-US" b="1" dirty="0"/>
-              <a:t> </a:t>
-            </a:r>
-            <a:r>
-              <a:rPr lang="en-US" b="1" dirty="0" err="1"/>
-              <a:t>Ağacı</a:t>
-            </a:r>
-            <a:r>
-              <a:rPr lang="en-US" dirty="0" err="1"/>
-              <a:t>"</a:t>
-            </a:r>
-            <a:r>
-              <a:rPr lang="en-US" sz="4400" dirty="0" err="1"/>
-              <a:t>ndan</a:t>
-            </a:r>
-            <a:r>
-              <a:rPr lang="en-US" dirty="0"/>
-              <a:t> "</a:t>
-            </a:r>
-            <a:r>
-              <a:rPr lang="en-US" b="1" dirty="0" err="1"/>
-              <a:t>XGBoost</a:t>
-            </a:r>
-            <a:r>
-              <a:rPr lang="en-US" dirty="0" err="1"/>
-              <a:t>"</a:t>
-            </a:r>
-            <a:r>
-              <a:rPr lang="en-US" sz="4400" dirty="0" err="1"/>
-              <a:t>a</a:t>
-            </a:r>
-            <a:br>
-              <a:rPr lang="en-US" dirty="0"/>
-            </a:br>
-            <a:r>
-              <a:rPr lang="en-US"/>
-              <a:t> </a:t>
-            </a:r>
-            <a:endParaRPr lang="en-AZ" dirty="0"/>
-          </a:p>
-        </p:txBody>
-      </p:sp>
-    </p:spTree>
-    <p:extLst>
-      <p:ext uri="{BB962C8B-B14F-4D97-AF65-F5344CB8AC3E}">
-        <p14:creationId xmlns:p14="http://schemas.microsoft.com/office/powerpoint/2010/main" val="3357320733"/>
-      </p:ext>
-    </p:extLst>
-  </p:cSld>
-  <p:clrMapOvr>
-    <a:masterClrMapping/>
-  </p:clrMapOvr>
-</p:sld>
-</file>
-
-<file path=ppt/slides/slide3.xml><?xml version="1.0" encoding="utf-8"?>
 <p:sld xmlns:a="http://schemas.openxmlformats.org/drawingml/2006/main" xmlns:r="http://schemas.openxmlformats.org/officeDocument/2006/relationships" xmlns:p="http://schemas.openxmlformats.org/presentationml/2006/main">
   <p:cSld>
     <p:spTree>
@@ -7865,7 +7775,7 @@
 </p:sld>
 </file>
 
-<file path=ppt/slides/slide4.xml><?xml version="1.0" encoding="utf-8"?>
+<file path=ppt/slides/slide3.xml><?xml version="1.0" encoding="utf-8"?>
 <p:sld xmlns:a="http://schemas.openxmlformats.org/drawingml/2006/main" xmlns:r="http://schemas.openxmlformats.org/officeDocument/2006/relationships" xmlns:p="http://schemas.openxmlformats.org/presentationml/2006/main">
   <p:cSld>
     <p:spTree>
@@ -8064,7 +7974,7 @@
 </p:sld>
 </file>
 
-<file path=ppt/slides/slide5.xml><?xml version="1.0" encoding="utf-8"?>
+<file path=ppt/slides/slide4.xml><?xml version="1.0" encoding="utf-8"?>
 <p:sld xmlns:a="http://schemas.openxmlformats.org/drawingml/2006/main" xmlns:r="http://schemas.openxmlformats.org/officeDocument/2006/relationships" xmlns:p="http://schemas.openxmlformats.org/presentationml/2006/main">
   <p:cSld>
     <p:spTree>
@@ -8158,6 +8068,35 @@
           </a:prstGeom>
         </p:spPr>
       </p:pic>
+      <p:pic>
+        <p:nvPicPr>
+          <p:cNvPr id="2" name="Picture 1">
+            <a:extLst>
+              <a:ext uri="{FF2B5EF4-FFF2-40B4-BE49-F238E27FC236}">
+                <a16:creationId xmlns:a16="http://schemas.microsoft.com/office/drawing/2014/main" id="{40570000-C863-2C9E-2112-DE79678AD85E}"/>
+              </a:ext>
+            </a:extLst>
+          </p:cNvPr>
+          <p:cNvPicPr>
+            <a:picLocks noChangeAspect="1"/>
+          </p:cNvPicPr>
+          <p:nvPr/>
+        </p:nvPicPr>
+        <p:blipFill rotWithShape="1">
+          <a:blip r:embed="rId3"/>
+          <a:srcRect l="58910" t="61033" r="38620" b="33948"/>
+          <a:stretch/>
+        </p:blipFill>
+        <p:spPr>
+          <a:xfrm>
+            <a:off x="8526161" y="2780271"/>
+            <a:ext cx="210065" cy="197708"/>
+          </a:xfrm>
+          <a:prstGeom prst="rect">
+            <a:avLst/>
+          </a:prstGeom>
+        </p:spPr>
+      </p:pic>
     </p:spTree>
     <p:extLst>
       <p:ext uri="{BB962C8B-B14F-4D97-AF65-F5344CB8AC3E}">
@@ -8171,7 +8110,7 @@
 </p:sld>
 </file>
 
-<file path=ppt/slides/slide6.xml><?xml version="1.0" encoding="utf-8"?>
+<file path=ppt/slides/slide5.xml><?xml version="1.0" encoding="utf-8"?>
 <p:sld xmlns:a="http://schemas.openxmlformats.org/drawingml/2006/main" xmlns:r="http://schemas.openxmlformats.org/officeDocument/2006/relationships" xmlns:p="http://schemas.openxmlformats.org/presentationml/2006/main">
   <p:cSld>
     <p:spTree>
@@ -8278,7 +8217,7 @@
 </p:sld>
 </file>
 
-<file path=ppt/slides/slide7.xml><?xml version="1.0" encoding="utf-8"?>
+<file path=ppt/slides/slide6.xml><?xml version="1.0" encoding="utf-8"?>
 <p:sld xmlns:a="http://schemas.openxmlformats.org/drawingml/2006/main" xmlns:r="http://schemas.openxmlformats.org/officeDocument/2006/relationships" xmlns:p="http://schemas.openxmlformats.org/presentationml/2006/main">
   <p:cSld>
     <p:spTree>
@@ -8401,7 +8340,7 @@
 </p:sld>
 </file>
 
-<file path=ppt/slides/slide8.xml><?xml version="1.0" encoding="utf-8"?>
+<file path=ppt/slides/slide7.xml><?xml version="1.0" encoding="utf-8"?>
 <p:sld xmlns:a="http://schemas.openxmlformats.org/drawingml/2006/main" xmlns:r="http://schemas.openxmlformats.org/officeDocument/2006/relationships" xmlns:p="http://schemas.openxmlformats.org/presentationml/2006/main">
   <p:cSld>
     <p:spTree>
@@ -8524,7 +8463,7 @@
 </p:sld>
 </file>
 
-<file path=ppt/slides/slide9.xml><?xml version="1.0" encoding="utf-8"?>
+<file path=ppt/slides/slide8.xml><?xml version="1.0" encoding="utf-8"?>
 <p:sld xmlns:a="http://schemas.openxmlformats.org/drawingml/2006/main" xmlns:r="http://schemas.openxmlformats.org/officeDocument/2006/relationships" xmlns:p="http://schemas.openxmlformats.org/presentationml/2006/main">
   <p:cSld>
     <p:spTree>
@@ -8638,6 +8577,159 @@
     <p:extLst>
       <p:ext uri="{BB962C8B-B14F-4D97-AF65-F5344CB8AC3E}">
         <p14:creationId xmlns:p14="http://schemas.microsoft.com/office/powerpoint/2010/main" val="3635734250"/>
+      </p:ext>
+    </p:extLst>
+  </p:cSld>
+  <p:clrMapOvr>
+    <a:masterClrMapping/>
+  </p:clrMapOvr>
+</p:sld>
+</file>
+
+<file path=ppt/slides/slide9.xml><?xml version="1.0" encoding="utf-8"?>
+<p:sld xmlns:a="http://schemas.openxmlformats.org/drawingml/2006/main" xmlns:r="http://schemas.openxmlformats.org/officeDocument/2006/relationships" xmlns:p="http://schemas.openxmlformats.org/presentationml/2006/main">
+  <p:cSld>
+    <p:spTree>
+      <p:nvGrpSpPr>
+        <p:cNvPr id="1" name=""/>
+        <p:cNvGrpSpPr/>
+        <p:nvPr/>
+      </p:nvGrpSpPr>
+      <p:grpSpPr>
+        <a:xfrm>
+          <a:off x="0" y="0"/>
+          <a:ext cx="0" cy="0"/>
+          <a:chOff x="0" y="0"/>
+          <a:chExt cx="0" cy="0"/>
+        </a:xfrm>
+      </p:grpSpPr>
+      <p:sp>
+        <p:nvSpPr>
+          <p:cNvPr id="12" name="Rectangle 11">
+            <a:extLst>
+              <a:ext uri="{FF2B5EF4-FFF2-40B4-BE49-F238E27FC236}">
+                <a16:creationId xmlns:a16="http://schemas.microsoft.com/office/drawing/2014/main" id="{71F58E72-6787-BACA-4B28-D2B90BAF919F}"/>
+              </a:ext>
+            </a:extLst>
+          </p:cNvPr>
+          <p:cNvSpPr/>
+          <p:nvPr/>
+        </p:nvSpPr>
+        <p:spPr>
+          <a:xfrm>
+            <a:off x="0" y="0"/>
+            <a:ext cx="12192000" cy="523220"/>
+          </a:xfrm>
+          <a:prstGeom prst="rect">
+            <a:avLst/>
+          </a:prstGeom>
+        </p:spPr>
+        <p:txBody>
+          <a:bodyPr wrap="square">
+            <a:spAutoFit/>
+          </a:bodyPr>
+          <a:lstStyle/>
+          <a:p>
+            <a:r>
+              <a:rPr lang="en-US" sz="2800" dirty="0" err="1"/>
+              <a:t>Qradian</a:t>
+            </a:r>
+            <a:r>
+              <a:rPr lang="en-US" sz="2800" dirty="0"/>
+              <a:t> </a:t>
+            </a:r>
+            <a:r>
+              <a:rPr lang="en-US" sz="2800" dirty="0" err="1"/>
+              <a:t>Artırma</a:t>
+            </a:r>
+            <a:r>
+              <a:rPr lang="en-US" sz="2800" dirty="0"/>
+              <a:t> (</a:t>
+            </a:r>
+            <a:r>
+              <a:rPr lang="en-US" sz="2800" dirty="0" err="1"/>
+              <a:t>Ardıcıl</a:t>
+            </a:r>
+            <a:r>
+              <a:rPr lang="en-US" sz="2800" dirty="0"/>
+              <a:t> </a:t>
+            </a:r>
+            <a:r>
+              <a:rPr lang="en-US" sz="2800" dirty="0" err="1"/>
+              <a:t>öyrənmə</a:t>
+            </a:r>
+            <a:r>
+              <a:rPr lang="en-US" sz="2800" dirty="0"/>
+              <a:t>) – Gradient Boosting (Sequential learning)</a:t>
+            </a:r>
+            <a:endParaRPr lang="en-AZ" sz="2800" dirty="0"/>
+          </a:p>
+        </p:txBody>
+      </p:sp>
+      <p:pic>
+        <p:nvPicPr>
+          <p:cNvPr id="8" name="Picture 7">
+            <a:extLst>
+              <a:ext uri="{FF2B5EF4-FFF2-40B4-BE49-F238E27FC236}">
+                <a16:creationId xmlns:a16="http://schemas.microsoft.com/office/drawing/2014/main" id="{CFCDE153-EEB5-6DAB-1E20-D640A5818BF5}"/>
+              </a:ext>
+            </a:extLst>
+          </p:cNvPr>
+          <p:cNvPicPr>
+            <a:picLocks noChangeAspect="1"/>
+          </p:cNvPicPr>
+          <p:nvPr/>
+        </p:nvPicPr>
+        <p:blipFill>
+          <a:blip r:embed="rId3"/>
+          <a:stretch>
+            <a:fillRect/>
+          </a:stretch>
+        </p:blipFill>
+        <p:spPr>
+          <a:xfrm>
+            <a:off x="6488482" y="3667958"/>
+            <a:ext cx="5428114" cy="3048791"/>
+          </a:xfrm>
+          <a:prstGeom prst="rect">
+            <a:avLst/>
+          </a:prstGeom>
+        </p:spPr>
+      </p:pic>
+      <p:pic>
+        <p:nvPicPr>
+          <p:cNvPr id="6" name="Picture 5">
+            <a:extLst>
+              <a:ext uri="{FF2B5EF4-FFF2-40B4-BE49-F238E27FC236}">
+                <a16:creationId xmlns:a16="http://schemas.microsoft.com/office/drawing/2014/main" id="{A6BE21EF-5141-C35B-0813-E86F5F0B0A4C}"/>
+              </a:ext>
+            </a:extLst>
+          </p:cNvPr>
+          <p:cNvPicPr>
+            <a:picLocks noChangeAspect="1"/>
+          </p:cNvPicPr>
+          <p:nvPr/>
+        </p:nvPicPr>
+        <p:blipFill>
+          <a:blip r:embed="rId4"/>
+          <a:stretch>
+            <a:fillRect/>
+          </a:stretch>
+        </p:blipFill>
+        <p:spPr>
+          <a:xfrm>
+            <a:off x="387264" y="765112"/>
+            <a:ext cx="6448646" cy="3381003"/>
+          </a:xfrm>
+          <a:prstGeom prst="rect">
+            <a:avLst/>
+          </a:prstGeom>
+        </p:spPr>
+      </p:pic>
+    </p:spTree>
+    <p:extLst>
+      <p:ext uri="{BB962C8B-B14F-4D97-AF65-F5344CB8AC3E}">
+        <p14:creationId xmlns:p14="http://schemas.microsoft.com/office/powerpoint/2010/main" val="1454851718"/>
       </p:ext>
     </p:extLst>
   </p:cSld>
